--- a/src/main/scala/com/scala/ss_exactly_once/spark streamming exactly once.pptx
+++ b/src/main/scala/com/scala/ss_exactly_once/spark streamming exactly once.pptx
@@ -10,10 +10,12 @@
     <p:sldId id="258" r:id="rId5"/>
     <p:sldId id="259" r:id="rId6"/>
     <p:sldId id="271" r:id="rId7"/>
-    <p:sldId id="272" r:id="rId8"/>
-    <p:sldId id="273" r:id="rId9"/>
-    <p:sldId id="260" r:id="rId10"/>
-    <p:sldId id="270" r:id="rId11"/>
+    <p:sldId id="276" r:id="rId8"/>
+    <p:sldId id="277" r:id="rId9"/>
+    <p:sldId id="272" r:id="rId10"/>
+    <p:sldId id="273" r:id="rId11"/>
+    <p:sldId id="260" r:id="rId12"/>
+    <p:sldId id="270" r:id="rId13"/>
   </p:sldIdLst>
   <p:sldSz cx="12192000" cy="6858000"/>
   <p:notesSz cx="7103745" cy="10234295"/>
@@ -2363,7 +2365,7 @@
         <a:spcBef>
           <a:spcPts val="1000"/>
         </a:spcBef>
-        <a:buFont typeface="Arial" panose="020B0604020202090204" pitchFamily="34" charset="0"/>
+        <a:buFont typeface="Arial" panose="020B0604020202020204" pitchFamily="34" charset="0"/>
         <a:buChar char="•"/>
         <a:defRPr sz="2800" kern="1200">
           <a:solidFill>
@@ -2381,7 +2383,7 @@
         <a:spcBef>
           <a:spcPts val="500"/>
         </a:spcBef>
-        <a:buFont typeface="Arial" panose="020B0604020202090204" pitchFamily="34" charset="0"/>
+        <a:buFont typeface="Arial" panose="020B0604020202020204" pitchFamily="34" charset="0"/>
         <a:buChar char="•"/>
         <a:defRPr sz="2400" kern="1200">
           <a:solidFill>
@@ -2399,7 +2401,7 @@
         <a:spcBef>
           <a:spcPts val="500"/>
         </a:spcBef>
-        <a:buFont typeface="Arial" panose="020B0604020202090204" pitchFamily="34" charset="0"/>
+        <a:buFont typeface="Arial" panose="020B0604020202020204" pitchFamily="34" charset="0"/>
         <a:buChar char="•"/>
         <a:defRPr sz="2000" kern="1200">
           <a:solidFill>
@@ -2417,7 +2419,7 @@
         <a:spcBef>
           <a:spcPts val="500"/>
         </a:spcBef>
-        <a:buFont typeface="Arial" panose="020B0604020202090204" pitchFamily="34" charset="0"/>
+        <a:buFont typeface="Arial" panose="020B0604020202020204" pitchFamily="34" charset="0"/>
         <a:buChar char="•"/>
         <a:defRPr sz="1800" kern="1200">
           <a:solidFill>
@@ -2435,7 +2437,7 @@
         <a:spcBef>
           <a:spcPts val="500"/>
         </a:spcBef>
-        <a:buFont typeface="Arial" panose="020B0604020202090204" pitchFamily="34" charset="0"/>
+        <a:buFont typeface="Arial" panose="020B0604020202020204" pitchFamily="34" charset="0"/>
         <a:buChar char="•"/>
         <a:defRPr sz="1800" kern="1200">
           <a:solidFill>
@@ -2453,7 +2455,7 @@
         <a:spcBef>
           <a:spcPts val="500"/>
         </a:spcBef>
-        <a:buFont typeface="Arial" panose="020B0604020202090204" pitchFamily="34" charset="0"/>
+        <a:buFont typeface="Arial" panose="020B0604020202020204" pitchFamily="34" charset="0"/>
         <a:buChar char="•"/>
         <a:defRPr sz="1800" kern="1200">
           <a:solidFill>
@@ -2471,7 +2473,7 @@
         <a:spcBef>
           <a:spcPts val="500"/>
         </a:spcBef>
-        <a:buFont typeface="Arial" panose="020B0604020202090204" pitchFamily="34" charset="0"/>
+        <a:buFont typeface="Arial" panose="020B0604020202020204" pitchFamily="34" charset="0"/>
         <a:buChar char="•"/>
         <a:defRPr sz="1800" kern="1200">
           <a:solidFill>
@@ -2489,7 +2491,7 @@
         <a:spcBef>
           <a:spcPts val="500"/>
         </a:spcBef>
-        <a:buFont typeface="Arial" panose="020B0604020202090204" pitchFamily="34" charset="0"/>
+        <a:buFont typeface="Arial" panose="020B0604020202020204" pitchFamily="34" charset="0"/>
         <a:buChar char="•"/>
         <a:defRPr sz="1800" kern="1200">
           <a:solidFill>
@@ -2507,7 +2509,7 @@
         <a:spcBef>
           <a:spcPts val="500"/>
         </a:spcBef>
-        <a:buFont typeface="Arial" panose="020B0604020202090204" pitchFamily="34" charset="0"/>
+        <a:buFont typeface="Arial" panose="020B0604020202020204" pitchFamily="34" charset="0"/>
         <a:buChar char="•"/>
         <a:defRPr sz="1800" kern="1200">
           <a:solidFill>
@@ -2691,6 +2693,584 @@
 </p:sld>
 </file>
 
+<file path=ppt/slides/slide10.xml><?xml version="1.0" encoding="utf-8"?>
+<p:sld xmlns:a="http://schemas.openxmlformats.org/drawingml/2006/main" xmlns:r="http://schemas.openxmlformats.org/officeDocument/2006/relationships" xmlns:p="http://schemas.openxmlformats.org/presentationml/2006/main">
+  <p:cSld>
+    <p:spTree>
+      <p:nvGrpSpPr>
+        <p:cNvPr id="1" name=""/>
+        <p:cNvGrpSpPr/>
+        <p:nvPr/>
+      </p:nvGrpSpPr>
+      <p:grpSpPr/>
+      <p:sp>
+        <p:nvSpPr>
+          <p:cNvPr id="3" name="内容占位符 2"/>
+          <p:cNvSpPr>
+            <a:spLocks noGrp="1"/>
+          </p:cNvSpPr>
+          <p:nvPr>
+            <p:ph idx="1"/>
+          </p:nvPr>
+        </p:nvSpPr>
+        <p:spPr>
+          <a:xfrm>
+            <a:off x="472440" y="301625"/>
+            <a:ext cx="12278995" cy="13561060"/>
+          </a:xfrm>
+        </p:spPr>
+        <p:txBody>
+          <a:bodyPr>
+            <a:normAutofit fontScale="90000" lnSpcReduction="20000"/>
+          </a:bodyPr>
+          <a:p>
+            <a:pPr marL="0" indent="0">
+              <a:buNone/>
+            </a:pPr>
+            <a:r>
+              <a:rPr lang="en-US" altLang="zh-CN" sz="1800"/>
+              <a:t>#!/bin/bash</a:t>
+            </a:r>
+            <a:endParaRPr lang="en-US" altLang="zh-CN" sz="1800"/>
+          </a:p>
+          <a:p>
+            <a:pPr marL="0" indent="0">
+              <a:buNone/>
+            </a:pPr>
+            <a:r>
+              <a:rPr lang="en-US" altLang="zh-CN" sz="1800"/>
+              <a:t>num_executors=52</a:t>
+            </a:r>
+            <a:endParaRPr lang="en-US" altLang="zh-CN" sz="1800"/>
+          </a:p>
+          <a:p>
+            <a:pPr marL="0" indent="0">
+              <a:buNone/>
+            </a:pPr>
+            <a:r>
+              <a:rPr lang="en-US" altLang="zh-CN" sz="1800"/>
+              <a:t>executor_memory=2g</a:t>
+            </a:r>
+            <a:endParaRPr lang="en-US" altLang="zh-CN" sz="1800"/>
+          </a:p>
+          <a:p>
+            <a:pPr marL="0" indent="0">
+              <a:buNone/>
+            </a:pPr>
+            <a:r>
+              <a:rPr lang="en-US" altLang="zh-CN" sz="1800"/>
+              <a:t>driver_memory=10g</a:t>
+            </a:r>
+            <a:endParaRPr lang="en-US" altLang="zh-CN" sz="1800"/>
+          </a:p>
+          <a:p>
+            <a:pPr marL="0" indent="0">
+              <a:buNone/>
+            </a:pPr>
+            <a:r>
+              <a:rPr lang="en-US" altLang="zh-CN" sz="1800"/>
+              <a:t>executor_cores=5</a:t>
+            </a:r>
+            <a:endParaRPr lang="en-US" altLang="zh-CN" sz="1800"/>
+          </a:p>
+          <a:p>
+            <a:pPr marL="0" indent="0">
+              <a:buNone/>
+            </a:pPr>
+            <a:r>
+              <a:rPr lang="en-US" altLang="zh-CN" sz="1800"/>
+              <a:t>realtime_queue=didi.transaction_2</a:t>
+            </a:r>
+            <a:endParaRPr lang="en-US" altLang="zh-CN" sz="1800"/>
+          </a:p>
+          <a:p>
+            <a:pPr marL="0" indent="0">
+              <a:buNone/>
+            </a:pPr>
+            <a:r>
+              <a:rPr lang="en-US" altLang="zh-CN" sz="1800"/>
+              <a:t># backpressure</a:t>
+            </a:r>
+            <a:endParaRPr lang="en-US" altLang="zh-CN" sz="1800"/>
+          </a:p>
+          <a:p>
+            <a:pPr marL="0" indent="0">
+              <a:buNone/>
+            </a:pPr>
+            <a:r>
+              <a:rPr lang="en-US" altLang="zh-CN" sz="1800"/>
+              <a:t>receiver_max_rate=100000</a:t>
+            </a:r>
+            <a:endParaRPr lang="en-US" altLang="zh-CN" sz="1800"/>
+          </a:p>
+          <a:p>
+            <a:pPr marL="0" indent="0">
+              <a:buNone/>
+            </a:pPr>
+            <a:r>
+              <a:rPr lang="en-US" altLang="zh-CN" sz="1800"/>
+              <a:t>kafka_partition_num=5</a:t>
+            </a:r>
+            <a:endParaRPr lang="en-US" altLang="zh-CN" sz="1800"/>
+          </a:p>
+          <a:p>
+            <a:pPr marL="0" indent="0">
+              <a:buNone/>
+            </a:pPr>
+            <a:r>
+              <a:rPr lang="en-US" altLang="zh-CN" sz="1800"/>
+              <a:t>receiver_max_rate=${receiver_max_rate}/${kafka_partition_num}</a:t>
+            </a:r>
+            <a:endParaRPr lang="en-US" altLang="zh-CN" sz="1800"/>
+          </a:p>
+          <a:p>
+            <a:pPr marL="0" indent="0">
+              <a:buNone/>
+            </a:pPr>
+            <a:r>
+              <a:rPr lang="en-US" altLang="zh-CN" sz="1800"/>
+              <a:t>receiver_initial_rate=20000</a:t>
+            </a:r>
+            <a:endParaRPr lang="en-US" altLang="zh-CN" sz="1800"/>
+          </a:p>
+          <a:p>
+            <a:pPr marL="0" indent="0">
+              <a:buNone/>
+            </a:pPr>
+            <a:r>
+              <a:rPr lang="en-US" altLang="zh-CN" sz="1800"/>
+              <a:t>my_job_name=”streaming_syn”</a:t>
+            </a:r>
+            <a:endParaRPr lang="en-US" altLang="zh-CN" sz="1800"/>
+          </a:p>
+          <a:p>
+            <a:pPr marL="0" indent="0">
+              <a:buNone/>
+            </a:pPr>
+            <a:r>
+              <a:rPr lang="en-US" altLang="zh-CN" sz="1800"/>
+              <a:t>main_class=”com.didi.streaming.App”</a:t>
+            </a:r>
+            <a:endParaRPr lang="en-US" altLang="zh-CN" sz="1800"/>
+          </a:p>
+          <a:p>
+            <a:pPr marL="0" indent="0">
+              <a:buNone/>
+            </a:pPr>
+            <a:endParaRPr lang="en-US" altLang="zh-CN" sz="1800"/>
+          </a:p>
+          <a:p>
+            <a:pPr marL="0" indent="0">
+              <a:buNone/>
+            </a:pPr>
+            <a:r>
+              <a:rPr lang="en-US" altLang="zh-CN" sz="1800"/>
+              <a:t>spark-submit --master yarn --deploy-mode cluster \</a:t>
+            </a:r>
+            <a:endParaRPr lang="en-US" altLang="zh-CN" sz="1800"/>
+          </a:p>
+          <a:p>
+            <a:pPr marL="0" indent="0">
+              <a:buNone/>
+            </a:pPr>
+            <a:r>
+              <a:rPr lang="en-US" altLang="zh-CN" sz="1800"/>
+              <a:t>--name ${my_job_name} \</a:t>
+            </a:r>
+            <a:endParaRPr lang="en-US" altLang="zh-CN" sz="1800"/>
+          </a:p>
+          <a:p>
+            <a:pPr marL="0" indent="0">
+              <a:buNone/>
+            </a:pPr>
+            <a:r>
+              <a:rPr lang="en-US" altLang="zh-CN" sz="1800"/>
+              <a:t>--class ${main_class} \</a:t>
+            </a:r>
+            <a:endParaRPr lang="en-US" altLang="zh-CN" sz="1800"/>
+          </a:p>
+          <a:p>
+            <a:pPr marL="0" indent="0">
+              <a:buNone/>
+            </a:pPr>
+            <a:r>
+              <a:rPr lang="en-US" altLang="zh-CN" sz="1800"/>
+              <a:t>--driver-memory ${driver_memory} \</a:t>
+            </a:r>
+            <a:endParaRPr lang="en-US" altLang="zh-CN" sz="1800"/>
+          </a:p>
+          <a:p>
+            <a:pPr marL="0" indent="0">
+              <a:buNone/>
+            </a:pPr>
+            <a:r>
+              <a:rPr lang="en-US" altLang="zh-CN" sz="1800"/>
+              <a:t>--num-executors ${num_executors} -- executor-cores ${executor_cores} --executor-memory ${executor_memory} \</a:t>
+            </a:r>
+            <a:endParaRPr lang="en-US" altLang="zh-CN" sz="1800"/>
+          </a:p>
+          <a:p>
+            <a:pPr marL="0" indent="0">
+              <a:buNone/>
+            </a:pPr>
+            <a:r>
+              <a:rPr lang="en-US" altLang="zh-CN" sz="1800"/>
+              <a:t>--queue ${realtime_queue}</a:t>
+            </a:r>
+            <a:endParaRPr lang="en-US" altLang="zh-CN" sz="1800"/>
+          </a:p>
+          <a:p>
+            <a:pPr marL="0" indent="0">
+              <a:buNone/>
+            </a:pPr>
+            <a:endParaRPr lang="en-US" altLang="zh-CN" sz="1800"/>
+          </a:p>
+          <a:p>
+            <a:pPr marL="0" indent="0">
+              <a:buNone/>
+            </a:pPr>
+            <a:r>
+              <a:rPr lang="en-US" altLang="zh-CN" sz="1800"/>
+              <a:t>--conf spark.dirver.extraJavaOptions=-Dlog4j.configuration=log4j-yarn.properties \</a:t>
+            </a:r>
+            <a:endParaRPr lang="en-US" altLang="zh-CN" sz="1800"/>
+          </a:p>
+          <a:p>
+            <a:pPr marL="0" indent="0">
+              <a:buNone/>
+            </a:pPr>
+            <a:r>
+              <a:rPr lang="en-US" altLang="zh-CN" sz="1800"/>
+              <a:t>--conf spark.executor.extraJavaOptions=-Dlog4j.configuration=log4j-yarn.properties \</a:t>
+            </a:r>
+            <a:endParaRPr lang="en-US" altLang="zh-CN" sz="1800"/>
+          </a:p>
+          <a:p>
+            <a:pPr marL="0" indent="0">
+              <a:buNone/>
+            </a:pPr>
+            <a:r>
+              <a:rPr lang="en-US" altLang="zh-CN" sz="1800"/>
+              <a:t>--conf spark.serializer=org.apache.spark.serializer.KryoSerializer \</a:t>
+            </a:r>
+            <a:endParaRPr lang="en-US" altLang="zh-CN" sz="1800"/>
+          </a:p>
+          <a:p>
+            <a:pPr marL="0" indent="0">
+              <a:buNone/>
+            </a:pPr>
+            <a:r>
+              <a:rPr lang="en-US" altLang="zh-CN" sz="1800"/>
+              <a:t>--conf spark.locality.wait=2 \</a:t>
+            </a:r>
+            <a:endParaRPr lang="en-US" altLang="zh-CN" sz="1800"/>
+          </a:p>
+          <a:p>
+            <a:pPr marL="0" indent="0">
+              <a:buNone/>
+            </a:pPr>
+            <a:r>
+              <a:rPr lang="en-US" altLang="zh-CN" sz="1800"/>
+              <a:t>--conf spark.locality.wait.process=2 \</a:t>
+            </a:r>
+            <a:endParaRPr lang="en-US" altLang="zh-CN" sz="1800"/>
+          </a:p>
+          <a:p>
+            <a:pPr marL="0" indent="0">
+              <a:buNone/>
+            </a:pPr>
+            <a:r>
+              <a:rPr lang="en-US" altLang="zh-CN" sz="1800"/>
+              <a:t>--conf spark.task.maxFailures=8 \</a:t>
+            </a:r>
+            <a:endParaRPr lang="en-US" altLang="zh-CN" sz="1800"/>
+          </a:p>
+          <a:p>
+            <a:pPr marL="0" indent="0">
+              <a:buNone/>
+            </a:pPr>
+            <a:r>
+              <a:rPr lang="en-US" altLang="zh-CN" sz="1800"/>
+              <a:t>--conf spark.ui.killEnabled=false \</a:t>
+            </a:r>
+            <a:endParaRPr lang="en-US" altLang="zh-CN" sz="1800"/>
+          </a:p>
+          <a:p>
+            <a:pPr marL="0" indent="0">
+              <a:buNone/>
+            </a:pPr>
+            <a:r>
+              <a:rPr lang="en-US" altLang="zh-CN" sz="1800"/>
+              <a:t>--conf spark.logConf=true \</a:t>
+            </a:r>
+            <a:endParaRPr lang="en-US" altLang="zh-CN" sz="1800"/>
+          </a:p>
+          <a:p>
+            <a:pPr marL="0" indent="0">
+              <a:buNone/>
+            </a:pPr>
+            <a:r>
+              <a:rPr lang="en-US" altLang="zh-CN" sz="1800"/>
+              <a:t>--conf spark.streaming.blockInterval=3000 \</a:t>
+            </a:r>
+            <a:endParaRPr lang="en-US" altLang="zh-CN" sz="1800"/>
+          </a:p>
+          <a:p>
+            <a:pPr marL="0" indent="0">
+              <a:buNone/>
+            </a:pPr>
+            <a:r>
+              <a:rPr lang="en-US" altLang="zh-CN" sz="1800"/>
+              <a:t>--conf spark.streaming.receiver.writeAheadLog.enble=true \</a:t>
+            </a:r>
+            <a:endParaRPr lang="en-US" altLang="zh-CN" sz="1800"/>
+          </a:p>
+          <a:p>
+            <a:pPr marL="0" indent="0">
+              <a:buNone/>
+            </a:pPr>
+            <a:r>
+              <a:rPr lang="en-US" altLang="zh-CN" sz="1800"/>
+              <a:t>--conf spark.streaming.backpressure.enable=true</a:t>
+            </a:r>
+            <a:endParaRPr lang="en-US" altLang="zh-CN" sz="1800"/>
+          </a:p>
+          <a:p>
+            <a:pPr marL="0" indent="0">
+              <a:buNone/>
+            </a:pPr>
+            <a:r>
+              <a:rPr lang="en-US" altLang="zh-CN" sz="1800"/>
+              <a:t>--conf spark.streaming.backpressure.pid.minRate=200 \</a:t>
+            </a:r>
+            <a:endParaRPr lang="en-US" altLang="zh-CN" sz="1800"/>
+          </a:p>
+          <a:p>
+            <a:pPr marL="0" indent="0">
+              <a:buNone/>
+            </a:pPr>
+            <a:r>
+              <a:rPr lang="en-US" altLang="zh-CN" sz="1800">
+                <a:sym typeface="+mn-ea"/>
+              </a:rPr>
+              <a:t>--conf spark.streaming.backpressure.initRate=${receiver_max_rate} \</a:t>
+            </a:r>
+            <a:endParaRPr lang="en-US" altLang="zh-CN" sz="1800">
+              <a:sym typeface="+mn-ea"/>
+            </a:endParaRPr>
+          </a:p>
+          <a:p>
+            <a:pPr marL="0" indent="0">
+              <a:buNone/>
+            </a:pPr>
+            <a:r>
+              <a:rPr lang="en-US" altLang="zh-CN" sz="1800">
+                <a:sym typeface="+mn-ea"/>
+              </a:rPr>
+              <a:t>--conf spark.streaming.receiver.maxRate=${receiver_max_rate} \</a:t>
+            </a:r>
+            <a:endParaRPr lang="en-US" altLang="zh-CN" sz="1800">
+              <a:sym typeface="+mn-ea"/>
+            </a:endParaRPr>
+          </a:p>
+          <a:p>
+            <a:pPr marL="0" indent="0">
+              <a:buNone/>
+            </a:pPr>
+            <a:r>
+              <a:rPr lang="en-US" altLang="zh-CN" sz="1800">
+                <a:sym typeface="+mn-ea"/>
+              </a:rPr>
+              <a:t>--conf spark.streaming.kafka.maxRatePerPartition=${receiver_max_rate} \</a:t>
+            </a:r>
+            <a:endParaRPr lang="en-US" altLang="zh-CN" sz="1800">
+              <a:sym typeface="+mn-ea"/>
+            </a:endParaRPr>
+          </a:p>
+          <a:p>
+            <a:pPr marL="0" indent="0">
+              <a:buNone/>
+            </a:pPr>
+            <a:r>
+              <a:rPr lang="en-US" altLang="zh-CN" sz="1800">
+                <a:sym typeface="+mn-ea"/>
+              </a:rPr>
+              <a:t>--conf spark.yarn.driver.memoryOverhead=512 \</a:t>
+            </a:r>
+            <a:endParaRPr lang="en-US" altLang="zh-CN" sz="1800">
+              <a:sym typeface="+mn-ea"/>
+            </a:endParaRPr>
+          </a:p>
+          <a:p>
+            <a:pPr marL="0" indent="0">
+              <a:buNone/>
+            </a:pPr>
+            <a:r>
+              <a:rPr lang="en-US" altLang="zh-CN" sz="1800">
+                <a:sym typeface="+mn-ea"/>
+              </a:rPr>
+              <a:t>--conf spark.yarn.executor.memoryOverhead=1024 \</a:t>
+            </a:r>
+            <a:endParaRPr lang="en-US" altLang="zh-CN" sz="1800">
+              <a:sym typeface="+mn-ea"/>
+            </a:endParaRPr>
+          </a:p>
+          <a:p>
+            <a:pPr marL="0" indent="0">
+              <a:buNone/>
+            </a:pPr>
+            <a:r>
+              <a:rPr lang="en-US" altLang="zh-CN" sz="1800">
+                <a:sym typeface="+mn-ea"/>
+              </a:rPr>
+              <a:t>--conf spark.yarn.maxAppAttempts=4 \</a:t>
+            </a:r>
+            <a:endParaRPr lang="en-US" altLang="zh-CN" sz="1800">
+              <a:sym typeface="+mn-ea"/>
+            </a:endParaRPr>
+          </a:p>
+          <a:p>
+            <a:pPr marL="0" indent="0">
+              <a:buNone/>
+            </a:pPr>
+            <a:r>
+              <a:rPr lang="en-US" altLang="zh-CN" sz="1800">
+                <a:sym typeface="+mn-ea"/>
+              </a:rPr>
+              <a:t>--conf spark.yarn.ap.attemptFailuresValidityInterval=1h \</a:t>
+            </a:r>
+            <a:endParaRPr lang="en-US" altLang="zh-CN" sz="1800">
+              <a:sym typeface="+mn-ea"/>
+            </a:endParaRPr>
+          </a:p>
+          <a:p>
+            <a:pPr marL="0" indent="0">
+              <a:buNone/>
+            </a:pPr>
+            <a:r>
+              <a:rPr lang="en-US" altLang="zh-CN" sz="1800">
+                <a:sym typeface="+mn-ea"/>
+              </a:rPr>
+              <a:t>--conf spark.yarn.max.executor.failures=$(8* ${num_executors}) \</a:t>
+            </a:r>
+            <a:endParaRPr lang="en-US" altLang="zh-CN" sz="1800">
+              <a:sym typeface="+mn-ea"/>
+            </a:endParaRPr>
+          </a:p>
+          <a:p>
+            <a:pPr marL="0" indent="0">
+              <a:buNone/>
+            </a:pPr>
+            <a:r>
+              <a:rPr lang="en-US" altLang="zh-CN" sz="1800">
+                <a:sym typeface="+mn-ea"/>
+              </a:rPr>
+              <a:t>--conf spark.yarn.executor.failuresValidityInterval=1h \</a:t>
+            </a:r>
+            <a:endParaRPr lang="en-US" altLang="zh-CN" sz="1800">
+              <a:sym typeface="+mn-ea"/>
+            </a:endParaRPr>
+          </a:p>
+          <a:p>
+            <a:pPr marL="0" indent="0">
+              <a:buNone/>
+            </a:pPr>
+            <a:r>
+              <a:rPr lang="en-US" altLang="zh-CN" sz="1800">
+                <a:sym typeface="+mn-ea"/>
+              </a:rPr>
+              <a:t>--driver-java-options “-XX:+UseConcMarkSweepGC -XX:+CMSClassUnloadingEnabled -XX:ParallelCMSThread=4 -XX:+CMSParall”</a:t>
+            </a:r>
+            <a:endParaRPr lang="en-US" altLang="zh-CN" sz="1800">
+              <a:sym typeface="+mn-ea"/>
+            </a:endParaRPr>
+          </a:p>
+          <a:p>
+            <a:pPr marL="0" indent="0">
+              <a:buNone/>
+            </a:pPr>
+            <a:r>
+              <a:rPr lang="en-US" altLang="zh-CN" sz="1800">
+                <a:sym typeface="+mn-ea"/>
+              </a:rPr>
+              <a:t>/root/Thermodynamic-1.0-SNAPSHOT.jar</a:t>
+            </a:r>
+            <a:endParaRPr lang="zh-CN" altLang="en-US" sz="1800">
+              <a:sym typeface="+mn-ea"/>
+            </a:endParaRPr>
+          </a:p>
+          <a:p>
+            <a:pPr marL="0" indent="0">
+              <a:buNone/>
+            </a:pPr>
+            <a:endParaRPr lang="zh-CN" altLang="en-US" sz="1800">
+              <a:sym typeface="+mn-ea"/>
+            </a:endParaRPr>
+          </a:p>
+        </p:txBody>
+      </p:sp>
+    </p:spTree>
+  </p:cSld>
+  <p:clrMapOvr>
+    <a:masterClrMapping/>
+  </p:clrMapOvr>
+</p:sld>
+</file>
+
+<file path=ppt/slides/slide11.xml><?xml version="1.0" encoding="utf-8"?>
+<p:sld xmlns:a="http://schemas.openxmlformats.org/drawingml/2006/main" xmlns:r="http://schemas.openxmlformats.org/officeDocument/2006/relationships" xmlns:p="http://schemas.openxmlformats.org/presentationml/2006/main">
+  <p:cSld>
+    <p:spTree>
+      <p:nvGrpSpPr>
+        <p:cNvPr id="1" name=""/>
+        <p:cNvGrpSpPr/>
+        <p:nvPr/>
+      </p:nvGrpSpPr>
+      <p:grpSpPr/>
+      <p:sp>
+        <p:nvSpPr>
+          <p:cNvPr id="2" name="标题 1"/>
+          <p:cNvSpPr>
+            <a:spLocks noGrp="1"/>
+          </p:cNvSpPr>
+          <p:nvPr>
+            <p:ph type="title"/>
+          </p:nvPr>
+        </p:nvSpPr>
+        <p:spPr/>
+        <p:txBody>
+          <a:bodyPr/>
+          <a:p>
+            <a:endParaRPr lang="zh-CN" altLang="en-US"/>
+          </a:p>
+        </p:txBody>
+      </p:sp>
+      <p:sp>
+        <p:nvSpPr>
+          <p:cNvPr id="3" name="内容占位符 2"/>
+          <p:cNvSpPr>
+            <a:spLocks noGrp="1"/>
+          </p:cNvSpPr>
+          <p:nvPr>
+            <p:ph idx="1"/>
+          </p:nvPr>
+        </p:nvSpPr>
+        <p:spPr/>
+        <p:txBody>
+          <a:bodyPr/>
+          <a:p>
+            <a:endParaRPr lang="zh-CN" altLang="en-US"/>
+          </a:p>
+        </p:txBody>
+      </p:sp>
+    </p:spTree>
+  </p:cSld>
+  <p:clrMapOvr>
+    <a:masterClrMapping/>
+  </p:clrMapOvr>
+</p:sld>
+</file>
+
 <file path=ppt/slides/slide2.xml><?xml version="1.0" encoding="utf-8"?>
 <p:sld xmlns:a="http://schemas.openxmlformats.org/drawingml/2006/main" xmlns:r="http://schemas.openxmlformats.org/officeDocument/2006/relationships" xmlns:p="http://schemas.openxmlformats.org/presentationml/2006/main">
   <p:cSld>
@@ -3205,7 +3785,7 @@
           <a:p>
             <a:r>
               <a:rPr lang="zh-CN" altLang="en-US"/>
-              <a:t>限流设置好后，紧接着开启背压</a:t>
+              <a:t>为什么需要背压Back Pressure</a:t>
             </a:r>
             <a:endParaRPr lang="zh-CN" altLang="en-US"/>
           </a:p>
@@ -3223,8 +3803,8 @@
         </p:nvSpPr>
         <p:spPr>
           <a:xfrm>
-            <a:off x="838200" y="1825625"/>
-            <a:ext cx="12876530" cy="6586855"/>
+            <a:off x="838200" y="1550670"/>
+            <a:ext cx="10769600" cy="6586855"/>
           </a:xfrm>
         </p:spPr>
         <p:txBody>
@@ -3233,151 +3813,112 @@
           </a:bodyPr>
           <a:p>
             <a:r>
-              <a:rPr lang="zh-CN" altLang="en-US" sz="2400"/>
-              <a:t>背压：</a:t>
-            </a:r>
-            <a:r>
-              <a:rPr lang="en-US" altLang="zh-CN" sz="2400"/>
-              <a:t>spark</a:t>
-            </a:r>
-            <a:r>
-              <a:rPr lang="zh-CN" altLang="en-US" sz="2400"/>
-              <a:t>会自动有反向压力感知机制</a:t>
-            </a:r>
-            <a:endParaRPr lang="zh-CN" altLang="en-US" sz="2400"/>
-          </a:p>
-          <a:p>
-            <a:endParaRPr lang="zh-CN" altLang="en-US" sz="2400"/>
-          </a:p>
-          <a:p>
-            <a:r>
-              <a:rPr lang="zh-CN" altLang="en-US" sz="2400"/>
-              <a:t>反压源码在：</a:t>
-            </a:r>
-            <a:endParaRPr lang="zh-CN" altLang="en-US" sz="2400"/>
+              <a:rPr lang="zh-CN" altLang="en-US" sz="2055"/>
+              <a:t>我们可以限制每次作业中每个 Kafka 分区最多读取的记录条数。这种方法虽然可以通过限制接收速率，来适配当前的处理能力，但这种方式存在以下几个问题：</a:t>
+            </a:r>
+            <a:endParaRPr lang="zh-CN" altLang="en-US" sz="2055"/>
           </a:p>
           <a:p>
             <a:pPr lvl="1"/>
             <a:r>
-              <a:rPr lang="en-US" altLang="zh-CN" sz="2055"/>
-              <a:t>RateController.scala</a:t>
-            </a:r>
-            <a:r>
-              <a:rPr lang="zh-CN" altLang="en-US" sz="2055"/>
-              <a:t>文件中（装饰者模式）</a:t>
-            </a:r>
-            <a:endParaRPr lang="zh-CN" altLang="en-US" sz="2055"/>
+              <a:rPr lang="zh-CN" altLang="en-US" sz="1760"/>
+              <a:t>我们需要事先估计好集群的处理速度以及消息数据的产生速度；</a:t>
+            </a:r>
+            <a:endParaRPr lang="zh-CN" altLang="en-US" sz="1760"/>
           </a:p>
           <a:p>
             <a:pPr lvl="1"/>
-            <a:r>
-              <a:rPr lang="en-US" altLang="zh-CN" sz="2055"/>
-              <a:t>PIDRateEstimator.compute</a:t>
-            </a:r>
-            <a:r>
-              <a:rPr lang="zh-CN" altLang="en-US" sz="2055"/>
-              <a:t>方法，采用了一个</a:t>
-            </a:r>
-            <a:r>
-              <a:rPr lang="en-US" altLang="zh-CN" sz="2055"/>
-              <a:t>PID</a:t>
-            </a:r>
-            <a:r>
-              <a:rPr lang="zh-CN" altLang="en-US" sz="2055"/>
-              <a:t>控制器，算法</a:t>
-            </a:r>
-            <a:endParaRPr lang="zh-CN" altLang="en-US" sz="2055"/>
+            <a:endParaRPr lang="zh-CN" altLang="en-US" sz="1760"/>
           </a:p>
           <a:p>
             <a:pPr lvl="1"/>
             <a:r>
-              <a:rPr lang="en-US" altLang="zh-CN" sz="2055"/>
-              <a:t>RateLimiter.updateRate</a:t>
-            </a:r>
-            <a:r>
-              <a:rPr lang="zh-CN" altLang="en-US" sz="2055"/>
-              <a:t>方法</a:t>
-            </a:r>
-            <a:endParaRPr lang="zh-CN" altLang="en-US" sz="2400"/>
-          </a:p>
-          <a:p>
-            <a:r>
-              <a:rPr lang="zh-CN" altLang="en-US" sz="2400"/>
-              <a:t>源码阅读：</a:t>
-            </a:r>
-            <a:endParaRPr lang="zh-CN" altLang="en-US" sz="2400"/>
+              <a:rPr lang="zh-CN" altLang="en-US" sz="1760"/>
+              <a:t>这两种方式需要人工参与，修改完相关参数之后，我们需要手动重启 Spark Streaming 应用程序；</a:t>
+            </a:r>
+            <a:endParaRPr lang="zh-CN" altLang="en-US" sz="1760"/>
           </a:p>
           <a:p>
             <a:pPr lvl="1"/>
-            <a:r>
-              <a:rPr lang="zh-CN" altLang="en-US" sz="2055"/>
-              <a:t>每个批次执行完后，一直会进行</a:t>
-            </a:r>
-            <a:r>
-              <a:rPr lang="en-US" altLang="zh-CN" sz="2055"/>
-              <a:t>onBatchCompleted</a:t>
-            </a:r>
-            <a:r>
-              <a:rPr lang="zh-CN" altLang="en-US" sz="2055"/>
-              <a:t>方法中</a:t>
-            </a:r>
-            <a:endParaRPr lang="zh-CN" altLang="en-US" sz="2055"/>
+            <a:endParaRPr lang="zh-CN" altLang="en-US" sz="1760"/>
           </a:p>
           <a:p>
             <a:pPr lvl="1"/>
             <a:r>
-              <a:rPr lang="en-US" altLang="zh-CN" sz="2055"/>
-              <a:t>/*</a:t>
-            </a:r>
-            <a:endParaRPr lang="en-US" altLang="zh-CN" sz="2055"/>
-          </a:p>
-          <a:p>
-            <a:pPr lvl="1"/>
-            <a:r>
-              <a:rPr lang="en-US" altLang="zh-CN" sz="2055"/>
-              <a:t>processingEndTime: </a:t>
-            </a:r>
-            <a:r>
-              <a:rPr lang="zh-CN" altLang="en-US" sz="2055"/>
-              <a:t>当前批次处理的结束时间</a:t>
-            </a:r>
-            <a:endParaRPr lang="zh-CN" altLang="en-US" sz="2055"/>
-          </a:p>
-          <a:p>
-            <a:pPr lvl="1"/>
-            <a:r>
-              <a:rPr lang="en-US" altLang="zh-CN" sz="2055"/>
-              <a:t>processingDelay: 'processingEndTime' - 'processingStartTime' </a:t>
-            </a:r>
-            <a:r>
-              <a:rPr lang="zh-CN" altLang="en-US" sz="2055"/>
-              <a:t>当前批次处理消耗的时间</a:t>
-            </a:r>
-            <a:endParaRPr lang="zh-CN" altLang="en-US" sz="2055"/>
-          </a:p>
-          <a:p>
-            <a:pPr lvl="1"/>
-            <a:r>
-              <a:rPr lang="en-US" altLang="zh-CN" sz="2055"/>
-              <a:t>schedulingDelay: 'processingStartTime' - 'submissionTime' </a:t>
-            </a:r>
-            <a:r>
-              <a:rPr lang="zh-CN" altLang="en-US" sz="2055"/>
-              <a:t>调整时间</a:t>
-            </a:r>
-            <a:endParaRPr lang="zh-CN" altLang="en-US" sz="2055"/>
-          </a:p>
-          <a:p>
-            <a:pPr lvl="1"/>
-            <a:r>
-              <a:rPr lang="en-US" altLang="zh-CN" sz="2055"/>
-              <a:t>numRecords: </a:t>
-            </a:r>
-            <a:r>
-              <a:rPr lang="zh-CN" altLang="en-US" sz="2055"/>
-              <a:t>当前批次接收的数据</a:t>
-            </a:r>
-            <a:endParaRPr lang="zh-CN" altLang="en-US" sz="2055"/>
+              <a:rPr lang="zh-CN" altLang="en-US" sz="1760"/>
+              <a:t>如果当前集群的处理能力高于我们配置的 maxRate，而且 producer 产生的数据高于 maxRate，这会导致集群资源利用率低下，而且也会导致数据不能够及时处理。</a:t>
+            </a:r>
+            <a:endParaRPr lang="zh-CN" altLang="en-US" sz="1760"/>
+          </a:p>
+          <a:p>
+            <a:pPr marL="457200" lvl="1" indent="0">
+              <a:buNone/>
+            </a:pPr>
+            <a:endParaRPr lang="zh-CN" altLang="en-US" sz="1760"/>
+          </a:p>
+          <a:p>
+            <a:pPr marL="0" lvl="0" indent="0">
+              <a:buNone/>
+            </a:pPr>
+            <a:r>
+              <a:rPr lang="zh-CN" altLang="en-US" sz="2050" b="1">
+                <a:solidFill>
+                  <a:srgbClr val="FF0000"/>
+                </a:solidFill>
+              </a:rPr>
+              <a:t>相关参数：</a:t>
+            </a:r>
+            <a:endParaRPr lang="zh-CN" altLang="en-US" sz="2050" b="1">
+              <a:solidFill>
+                <a:srgbClr val="FF0000"/>
+              </a:solidFill>
+            </a:endParaRPr>
+          </a:p>
+          <a:p>
+            <a:pPr marL="0" lvl="0" indent="0">
+              <a:buNone/>
+            </a:pPr>
+            <a:r>
+              <a:rPr lang="zh-CN" altLang="en-US" sz="1400"/>
+              <a:t>      .set("spark.streaming.backpressure.enable", "true") // 启用backpressure机制，默认值false</a:t>
+            </a:r>
+            <a:endParaRPr lang="zh-CN" altLang="en-US" sz="1400"/>
+          </a:p>
+          <a:p>
+            <a:pPr marL="0" lvl="0" indent="0">
+              <a:buNone/>
+            </a:pPr>
+            <a:r>
+              <a:rPr lang="zh-CN" altLang="en-US" sz="1400"/>
+              <a:t>      .set("spark.streaming.backpressure.pid.minRate", "200") // 可以估算的最低费率是多少。默认值为 100，只能设置成非负值。</a:t>
+            </a:r>
+            <a:endParaRPr lang="zh-CN" altLang="en-US" sz="1400"/>
+          </a:p>
+          <a:p>
+            <a:pPr marL="0" lvl="0" indent="0">
+              <a:buNone/>
+            </a:pPr>
+            <a:r>
+              <a:rPr lang="zh-CN" altLang="en-US" sz="1400"/>
+              <a:t>      .set("spark.streaming.backpressure.initRate", "1") // 启用反压机制时每个接收器接收第一批数据的初始最大速率。默认值没有设置。</a:t>
+            </a:r>
+            <a:endParaRPr lang="zh-CN" altLang="en-US" sz="1400"/>
+          </a:p>
+          <a:p>
+            <a:pPr marL="0" lvl="0" indent="0">
+              <a:buNone/>
+            </a:pPr>
+            <a:endParaRPr lang="zh-CN" altLang="en-US" sz="1400"/>
+          </a:p>
+          <a:p>
+            <a:pPr marL="0" lvl="0" indent="0">
+              <a:buNone/>
+            </a:pPr>
+            <a:r>
+              <a:rPr lang="zh-CN" altLang="en-US" sz="1400"/>
+              <a:t>如果用户配置了 spark.streaming.receiver.maxRate 或 spark.streaming.kafka.maxRatePerPartition，那么最后到底接收多少数据取决于三者的最小值。也就是说每个接收器或者每个 Kafka 分区每秒处理的数据不会超过 spark.streaming.receiver.maxRate 或 spark.streaming.kafka.maxRatePerPartition 的值。</a:t>
+            </a:r>
+            <a:endParaRPr lang="zh-CN" altLang="en-US" sz="1400"/>
           </a:p>
         </p:txBody>
       </p:sp>
@@ -3414,12 +3955,8 @@
           <a:bodyPr/>
           <a:p>
             <a:r>
-              <a:rPr lang="en-US" altLang="zh-CN"/>
-              <a:t>CPU</a:t>
-            </a:r>
-            <a:r>
               <a:rPr lang="zh-CN" altLang="en-US"/>
-              <a:t>空转时间的问题</a:t>
+              <a:t>限流设置好后，紧接着开启背压</a:t>
             </a:r>
             <a:endParaRPr lang="zh-CN" altLang="en-US"/>
           </a:p>
@@ -3438,7 +3975,7 @@
         <p:spPr>
           <a:xfrm>
             <a:off x="838200" y="1825625"/>
-            <a:ext cx="10678160" cy="6604635"/>
+            <a:ext cx="12876530" cy="6586855"/>
           </a:xfrm>
         </p:spPr>
         <p:txBody>
@@ -3447,152 +3984,151 @@
           </a:bodyPr>
           <a:p>
             <a:r>
+              <a:rPr lang="zh-CN" altLang="en-US" sz="2400"/>
+              <a:t>背压：</a:t>
+            </a:r>
+            <a:r>
+              <a:rPr lang="en-US" altLang="zh-CN" sz="2400"/>
+              <a:t>spark</a:t>
+            </a:r>
+            <a:r>
+              <a:rPr lang="zh-CN" altLang="en-US" sz="2400"/>
+              <a:t>会自动有反向压力感知机制</a:t>
+            </a:r>
+            <a:endParaRPr lang="zh-CN" altLang="en-US" sz="2400"/>
+          </a:p>
+          <a:p>
+            <a:endParaRPr lang="zh-CN" altLang="en-US" sz="2400"/>
+          </a:p>
+          <a:p>
+            <a:r>
+              <a:rPr lang="zh-CN" altLang="en-US" sz="2400"/>
+              <a:t>反压源码在：</a:t>
+            </a:r>
+            <a:endParaRPr lang="zh-CN" altLang="en-US" sz="2400"/>
+          </a:p>
+          <a:p>
+            <a:pPr lvl="1"/>
+            <a:r>
+              <a:rPr lang="en-US" altLang="zh-CN" sz="2055"/>
+              <a:t>RateController.scala</a:t>
+            </a:r>
+            <a:r>
               <a:rPr lang="zh-CN" altLang="en-US" sz="2055"/>
-              <a:t>为什么会出现</a:t>
-            </a:r>
+              <a:t>文件中（装饰者模式）</a:t>
+            </a:r>
+            <a:endParaRPr lang="zh-CN" altLang="en-US" sz="2055"/>
+          </a:p>
+          <a:p>
+            <a:pPr lvl="1"/>
             <a:r>
               <a:rPr lang="en-US" altLang="zh-CN" sz="2055"/>
-              <a:t>CPU</a:t>
+              <a:t>PIDRateEstimator.compute</a:t>
             </a:r>
             <a:r>
               <a:rPr lang="zh-CN" altLang="en-US" sz="2055"/>
-              <a:t>空转？</a:t>
+              <a:t>方法，采用了一个</a:t>
+            </a:r>
+            <a:r>
+              <a:rPr lang="en-US" altLang="zh-CN" sz="2055"/>
+              <a:t>PID</a:t>
+            </a:r>
+            <a:r>
+              <a:rPr lang="zh-CN" altLang="en-US" sz="2055"/>
+              <a:t>控制器，算法</a:t>
             </a:r>
             <a:endParaRPr lang="zh-CN" altLang="en-US" sz="2055"/>
           </a:p>
           <a:p>
             <a:pPr lvl="1"/>
             <a:r>
-              <a:rPr lang="zh-CN" altLang="en-US" sz="1760"/>
-              <a:t>因为流处理是</a:t>
-            </a:r>
-            <a:r>
-              <a:rPr lang="en-US" altLang="zh-CN" sz="1760"/>
-              <a:t>7*24</a:t>
-            </a:r>
-            <a:r>
-              <a:rPr lang="zh-CN" altLang="en-US" sz="1760"/>
-              <a:t>小时，数据有高峰有低谷，当进入低谷时，很空间某个批次是没有接收到数据的，此时</a:t>
-            </a:r>
-            <a:r>
-              <a:rPr lang="en-US" altLang="zh-CN" sz="1760"/>
-              <a:t>SPARK</a:t>
-            </a:r>
-            <a:r>
-              <a:rPr lang="zh-CN" altLang="en-US" sz="1760"/>
-              <a:t>依然会对</a:t>
-            </a:r>
-            <a:r>
-              <a:rPr lang="en-US" altLang="zh-CN" sz="1760"/>
-              <a:t>task</a:t>
-            </a:r>
-            <a:r>
-              <a:rPr lang="zh-CN" altLang="en-US" sz="1760"/>
-              <a:t>进行调度，序列化、压缩、计算，也是需要消耗时间的。</a:t>
-            </a:r>
-            <a:r>
-              <a:rPr lang="en-US" altLang="zh-CN" sz="1760"/>
-              <a:t>CPU</a:t>
-            </a:r>
-            <a:r>
-              <a:rPr lang="zh-CN" altLang="en-US" sz="1760"/>
-              <a:t>空转时间问题就出来了</a:t>
-            </a:r>
-            <a:endParaRPr lang="zh-CN" altLang="en-US" sz="1760"/>
+              <a:rPr lang="en-US" altLang="zh-CN" sz="2055"/>
+              <a:t>RateLimiter.updateRate</a:t>
+            </a:r>
+            <a:r>
+              <a:rPr lang="zh-CN" altLang="en-US" sz="2055"/>
+              <a:t>方法</a:t>
+            </a:r>
+            <a:endParaRPr lang="zh-CN" altLang="en-US" sz="2400"/>
+          </a:p>
+          <a:p>
+            <a:r>
+              <a:rPr lang="zh-CN" altLang="en-US" sz="2400"/>
+              <a:t>源码阅读：</a:t>
+            </a:r>
+            <a:endParaRPr lang="zh-CN" altLang="en-US" sz="2400"/>
           </a:p>
           <a:p>
             <a:pPr lvl="1"/>
-            <a:endParaRPr lang="zh-CN" altLang="en-US" sz="1760"/>
+            <a:r>
+              <a:rPr lang="zh-CN" altLang="en-US" sz="2055"/>
+              <a:t>每个批次执行完后，一直会进行</a:t>
+            </a:r>
+            <a:r>
+              <a:rPr lang="en-US" altLang="zh-CN" sz="2055"/>
+              <a:t>onBatchCompleted</a:t>
+            </a:r>
+            <a:r>
+              <a:rPr lang="zh-CN" altLang="en-US" sz="2055"/>
+              <a:t>方法中</a:t>
+            </a:r>
+            <a:endParaRPr lang="zh-CN" altLang="en-US" sz="2055"/>
           </a:p>
           <a:p>
             <a:pPr lvl="1"/>
-            <a:endParaRPr lang="zh-CN" altLang="en-US" sz="1760"/>
-          </a:p>
-          <a:p>
-            <a:pPr lvl="0"/>
-            <a:r>
-              <a:rPr lang="zh-CN" altLang="en-US" sz="2050"/>
-              <a:t>怎样解决？</a:t>
-            </a:r>
-            <a:endParaRPr lang="zh-CN" altLang="en-US" sz="2050"/>
+            <a:r>
+              <a:rPr lang="en-US" altLang="zh-CN" sz="2055"/>
+              <a:t>/*</a:t>
+            </a:r>
+            <a:endParaRPr lang="en-US" altLang="zh-CN" sz="2055"/>
           </a:p>
           <a:p>
             <a:pPr lvl="1"/>
             <a:r>
-              <a:rPr lang="en-US" altLang="zh-CN" sz="1755">
-                <a:sym typeface="+mn-ea"/>
-              </a:rPr>
-              <a:t>--conf spark.locality.wait=2 \  # </a:t>
-            </a:r>
-            <a:r>
-              <a:rPr lang="zh-CN" altLang="en-US" sz="1755">
-                <a:sym typeface="+mn-ea"/>
-              </a:rPr>
-              <a:t>数据本地化处理，</a:t>
-            </a:r>
-            <a:r>
-              <a:rPr lang="en-US" altLang="zh-CN" sz="1755">
-                <a:sym typeface="+mn-ea"/>
-              </a:rPr>
-              <a:t>spark</a:t>
-            </a:r>
-            <a:r>
-              <a:rPr lang="zh-CN" altLang="en-US" sz="1755">
-                <a:sym typeface="+mn-ea"/>
-              </a:rPr>
-              <a:t>默认是</a:t>
-            </a:r>
-            <a:r>
-              <a:rPr lang="en-US" altLang="zh-CN" sz="1755">
-                <a:sym typeface="+mn-ea"/>
-              </a:rPr>
-              <a:t>200</a:t>
-            </a:r>
-            <a:r>
-              <a:rPr lang="zh-CN" altLang="en-US" sz="1755">
-                <a:sym typeface="+mn-ea"/>
-              </a:rPr>
-              <a:t>毫秒；如果此时没有数据，立马却换为数据本地化，我们的代码、数据在同一个</a:t>
-            </a:r>
-            <a:r>
-              <a:rPr lang="en-US" altLang="zh-CN" sz="1755">
-                <a:sym typeface="+mn-ea"/>
-              </a:rPr>
-              <a:t>executor</a:t>
-            </a:r>
-            <a:r>
-              <a:rPr lang="zh-CN" altLang="en-US" sz="1755">
-                <a:sym typeface="+mn-ea"/>
-              </a:rPr>
-              <a:t>内执行更改为下一个等级，更早地进入下一个环节计算，就无需等待</a:t>
-            </a:r>
-            <a:r>
-              <a:rPr lang="en-US" altLang="zh-CN" sz="1755">
-                <a:sym typeface="+mn-ea"/>
-              </a:rPr>
-              <a:t>200</a:t>
-            </a:r>
-            <a:r>
-              <a:rPr lang="zh-CN" altLang="en-US" sz="1755">
-                <a:sym typeface="+mn-ea"/>
-              </a:rPr>
-              <a:t>毫秒。假如后续有</a:t>
-            </a:r>
-            <a:r>
-              <a:rPr lang="en-US" altLang="zh-CN" sz="1755">
-                <a:sym typeface="+mn-ea"/>
-              </a:rPr>
-              <a:t>5-6</a:t>
-            </a:r>
-            <a:r>
-              <a:rPr lang="zh-CN" altLang="en-US" sz="1755">
-                <a:sym typeface="+mn-ea"/>
-              </a:rPr>
-              <a:t>个环节计算，会体验更明显</a:t>
-            </a:r>
-            <a:endParaRPr lang="zh-CN" altLang="en-US" sz="1755">
-              <a:sym typeface="+mn-ea"/>
-            </a:endParaRPr>
+              <a:rPr lang="en-US" altLang="zh-CN" sz="2055"/>
+              <a:t>processingEndTime: </a:t>
+            </a:r>
+            <a:r>
+              <a:rPr lang="zh-CN" altLang="en-US" sz="2055"/>
+              <a:t>当前批次处理的结束时间</a:t>
+            </a:r>
+            <a:endParaRPr lang="zh-CN" altLang="en-US" sz="2055"/>
+          </a:p>
+          <a:p>
+            <a:pPr lvl="1"/>
+            <a:r>
+              <a:rPr lang="en-US" altLang="zh-CN" sz="2055"/>
+              <a:t>processingDelay: 'processingEndTime' - 'processingStartTime' </a:t>
+            </a:r>
+            <a:r>
+              <a:rPr lang="zh-CN" altLang="en-US" sz="2055"/>
+              <a:t>当前批次处理消耗的时间</a:t>
+            </a:r>
+            <a:endParaRPr lang="zh-CN" altLang="en-US" sz="2055"/>
+          </a:p>
+          <a:p>
+            <a:pPr lvl="1"/>
+            <a:r>
+              <a:rPr lang="en-US" altLang="zh-CN" sz="2055"/>
+              <a:t>schedulingDelay: 'processingStartTime' - 'submissionTime' </a:t>
+            </a:r>
+            <a:r>
+              <a:rPr lang="zh-CN" altLang="en-US" sz="2055"/>
+              <a:t>调整时间</a:t>
+            </a:r>
+            <a:endParaRPr lang="zh-CN" altLang="en-US" sz="2055"/>
+          </a:p>
+          <a:p>
+            <a:pPr lvl="1"/>
+            <a:r>
+              <a:rPr lang="en-US" altLang="zh-CN" sz="2055"/>
+              <a:t>numRecords: </a:t>
+            </a:r>
+            <a:r>
+              <a:rPr lang="zh-CN" altLang="en-US" sz="2055"/>
+              <a:t>当前批次接收的数据</a:t>
+            </a:r>
+            <a:endParaRPr lang="zh-CN" altLang="en-US" sz="2055"/>
           </a:p>
         </p:txBody>
       </p:sp>
@@ -3630,261 +4166,45 @@
           <a:p>
             <a:r>
               <a:rPr lang="zh-CN" altLang="en-US"/>
-              <a:t>推测执行</a:t>
-            </a:r>
-            <a:endParaRPr lang="zh-CN" altLang="en-US"/>
-          </a:p>
-        </p:txBody>
-      </p:sp>
-      <p:sp>
-        <p:nvSpPr>
-          <p:cNvPr id="3" name="内容占位符 2"/>
-          <p:cNvSpPr>
-            <a:spLocks noGrp="1"/>
-          </p:cNvSpPr>
-          <p:nvPr>
-            <p:ph idx="1"/>
-          </p:nvPr>
-        </p:nvSpPr>
+              <a:t>开启背压效果</a:t>
+            </a:r>
+            <a:endParaRPr lang="en-US" altLang="zh-CN"/>
+          </a:p>
+        </p:txBody>
+      </p:sp>
+      <p:pic>
+        <p:nvPicPr>
+          <p:cNvPr id="5" name="图片 4"/>
+          <p:cNvPicPr>
+            <a:picLocks noChangeAspect="1"/>
+          </p:cNvPicPr>
+          <p:nvPr>
+            <p:custDataLst>
+              <p:tags r:id="rId1"/>
+            </p:custDataLst>
+          </p:nvPr>
+        </p:nvPicPr>
+        <p:blipFill>
+          <a:blip r:embed="rId2"/>
+          <a:stretch>
+            <a:fillRect/>
+          </a:stretch>
+        </p:blipFill>
         <p:spPr>
           <a:xfrm>
-            <a:off x="838200" y="1825625"/>
-            <a:ext cx="10678160" cy="6604635"/>
+            <a:off x="1726565" y="1505585"/>
+            <a:ext cx="7647305" cy="4752975"/>
           </a:xfrm>
+          <a:prstGeom prst="rect">
+            <a:avLst/>
+          </a:prstGeom>
+          <a:ln>
+            <a:solidFill>
+              <a:schemeClr val="tx1"/>
+            </a:solidFill>
+          </a:ln>
         </p:spPr>
-        <p:txBody>
-          <a:bodyPr>
-            <a:normAutofit/>
-          </a:bodyPr>
-          <a:p>
-            <a:r>
-              <a:rPr lang="zh-CN" altLang="en-US" sz="1755">
-                <a:sym typeface="+mn-ea"/>
-              </a:rPr>
-              <a:t>为什么需要推测执行？</a:t>
-            </a:r>
-            <a:endParaRPr lang="zh-CN" altLang="en-US" sz="1755">
-              <a:sym typeface="+mn-ea"/>
-            </a:endParaRPr>
-          </a:p>
-          <a:p>
-            <a:pPr lvl="1"/>
-            <a:r>
-              <a:rPr lang="zh-CN" altLang="en-US" sz="1500">
-                <a:sym typeface="+mn-ea"/>
-              </a:rPr>
-              <a:t>因为</a:t>
-            </a:r>
-            <a:r>
-              <a:rPr lang="en-US" altLang="zh-CN" sz="1500">
-                <a:sym typeface="+mn-ea"/>
-              </a:rPr>
-              <a:t>spark</a:t>
-            </a:r>
-            <a:r>
-              <a:rPr lang="zh-CN" altLang="en-US" sz="1500">
-                <a:sym typeface="+mn-ea"/>
-              </a:rPr>
-              <a:t>流任务，经常因为网络、内存导致</a:t>
-            </a:r>
-            <a:r>
-              <a:rPr lang="en-US" altLang="zh-CN" sz="1500">
-                <a:sym typeface="+mn-ea"/>
-              </a:rPr>
-              <a:t>task</a:t>
-            </a:r>
-            <a:r>
-              <a:rPr lang="zh-CN" altLang="en-US" sz="1500">
-                <a:sym typeface="+mn-ea"/>
-              </a:rPr>
-              <a:t>失败，我们有重启</a:t>
-            </a:r>
-            <a:r>
-              <a:rPr lang="en-US" altLang="zh-CN" sz="1500">
-                <a:sym typeface="+mn-ea"/>
-              </a:rPr>
-              <a:t>task</a:t>
-            </a:r>
-            <a:r>
-              <a:rPr lang="zh-CN" altLang="en-US" sz="1500">
-                <a:sym typeface="+mn-ea"/>
-              </a:rPr>
-              <a:t>机制（</a:t>
-            </a:r>
-            <a:r>
-              <a:rPr lang="en-US" altLang="zh-CN" sz="1500">
-                <a:sym typeface="+mn-ea"/>
-              </a:rPr>
-              <a:t>--conf spark.task.maxFailures=8 \</a:t>
-            </a:r>
-            <a:r>
-              <a:rPr lang="zh-CN" altLang="en-US" sz="1500">
-                <a:sym typeface="+mn-ea"/>
-              </a:rPr>
-              <a:t>）；</a:t>
-            </a:r>
-            <a:r>
-              <a:rPr lang="en-US" altLang="zh-CN" sz="1500">
-                <a:sym typeface="+mn-ea"/>
-              </a:rPr>
-              <a:t>task</a:t>
-            </a:r>
-            <a:r>
-              <a:rPr lang="zh-CN" altLang="en-US" sz="1500">
-                <a:sym typeface="+mn-ea"/>
-              </a:rPr>
-              <a:t>重启、运行肯定需要一定的时间，如果当前批次的</a:t>
-            </a:r>
-            <a:r>
-              <a:rPr lang="en-US" altLang="zh-CN" sz="1500">
-                <a:sym typeface="+mn-ea"/>
-              </a:rPr>
-              <a:t>task</a:t>
-            </a:r>
-            <a:r>
-              <a:rPr lang="zh-CN" altLang="en-US" sz="1500">
-                <a:sym typeface="+mn-ea"/>
-              </a:rPr>
-              <a:t>没有执行完，跟在它后面的</a:t>
-            </a:r>
-            <a:r>
-              <a:rPr lang="en-US" altLang="zh-CN" sz="1500">
-                <a:sym typeface="+mn-ea"/>
-              </a:rPr>
-              <a:t>task</a:t>
-            </a:r>
-            <a:r>
-              <a:rPr lang="zh-CN" altLang="en-US" sz="1500">
-                <a:sym typeface="+mn-ea"/>
-              </a:rPr>
-              <a:t>就会处理</a:t>
-            </a:r>
-            <a:r>
-              <a:rPr lang="en-US" altLang="zh-CN" sz="1500">
-                <a:sym typeface="+mn-ea"/>
-              </a:rPr>
-              <a:t>pending</a:t>
-            </a:r>
-            <a:r>
-              <a:rPr lang="zh-CN" altLang="en-US" sz="1500">
-                <a:sym typeface="+mn-ea"/>
-              </a:rPr>
-              <a:t>悬挂的状态，后面的任务是没法执行</a:t>
-            </a:r>
-            <a:endParaRPr lang="zh-CN" altLang="en-US" sz="1500">
-              <a:sym typeface="+mn-ea"/>
-            </a:endParaRPr>
-          </a:p>
-          <a:p>
-            <a:pPr lvl="1"/>
-            <a:endParaRPr lang="zh-CN" altLang="en-US" sz="1500">
-              <a:sym typeface="+mn-ea"/>
-            </a:endParaRPr>
-          </a:p>
-          <a:p>
-            <a:pPr lvl="1"/>
-            <a:r>
-              <a:rPr lang="zh-CN" altLang="en-US" sz="1500">
-                <a:sym typeface="+mn-ea"/>
-              </a:rPr>
-              <a:t>所以这时，需要开启推测执行，将当前</a:t>
-            </a:r>
-            <a:r>
-              <a:rPr lang="en-US" altLang="zh-CN" sz="1500">
-                <a:sym typeface="+mn-ea"/>
-              </a:rPr>
-              <a:t>task</a:t>
-            </a:r>
-            <a:r>
-              <a:rPr lang="zh-CN" altLang="en-US" sz="1500">
-                <a:sym typeface="+mn-ea"/>
-              </a:rPr>
-              <a:t>提交到其他节点上运行。</a:t>
-            </a:r>
-            <a:endParaRPr lang="zh-CN" altLang="en-US" sz="1500">
-              <a:sym typeface="+mn-ea"/>
-            </a:endParaRPr>
-          </a:p>
-          <a:p>
-            <a:pPr lvl="1"/>
-            <a:endParaRPr lang="zh-CN" altLang="en-US" sz="1500">
-              <a:sym typeface="+mn-ea"/>
-            </a:endParaRPr>
-          </a:p>
-          <a:p>
-            <a:pPr lvl="1"/>
-            <a:r>
-              <a:rPr lang="zh-CN" altLang="en-US" sz="1500">
-                <a:sym typeface="+mn-ea"/>
-              </a:rPr>
-              <a:t>参数如下：</a:t>
-            </a:r>
-            <a:endParaRPr lang="zh-CN" altLang="en-US" sz="1500">
-              <a:sym typeface="+mn-ea"/>
-            </a:endParaRPr>
-          </a:p>
-          <a:p>
-            <a:pPr lvl="1"/>
-            <a:r>
-              <a:rPr lang="en-US" altLang="zh-CN" sz="1500">
-                <a:sym typeface="+mn-ea"/>
-              </a:rPr>
-              <a:t>sparkconf.set(“spark.speculation”, “true”)</a:t>
-            </a:r>
-            <a:endParaRPr lang="en-US" altLang="zh-CN" sz="1500">
-              <a:sym typeface="+mn-ea"/>
-            </a:endParaRPr>
-          </a:p>
-          <a:p>
-            <a:pPr lvl="1"/>
-            <a:r>
-              <a:rPr lang="en-US" altLang="zh-CN" sz="1500">
-                <a:sym typeface="+mn-ea"/>
-              </a:rPr>
-              <a:t>sparkconf.set(“spark.speculation.interval”, “300ms”) // </a:t>
-            </a:r>
-            <a:r>
-              <a:rPr lang="zh-CN" altLang="en-US" sz="1500">
-                <a:sym typeface="+mn-ea"/>
-              </a:rPr>
-              <a:t>检查周期</a:t>
-            </a:r>
-            <a:endParaRPr lang="en-US" altLang="zh-CN" sz="1500">
-              <a:sym typeface="+mn-ea"/>
-            </a:endParaRPr>
-          </a:p>
-          <a:p>
-            <a:pPr lvl="1"/>
-            <a:r>
-              <a:rPr lang="en-US" altLang="zh-CN" sz="1500">
-                <a:sym typeface="+mn-ea"/>
-              </a:rPr>
-              <a:t>sparkconf.set(“spark.speculation.quantile”, “0.9”) //  </a:t>
-            </a:r>
-            <a:r>
-              <a:rPr lang="zh-CN" altLang="en-US" sz="1500">
-                <a:sym typeface="+mn-ea"/>
-              </a:rPr>
-              <a:t>默认达到任务</a:t>
-            </a:r>
-            <a:r>
-              <a:rPr lang="en-US" altLang="zh-CN" sz="1500">
-                <a:sym typeface="+mn-ea"/>
-              </a:rPr>
-              <a:t>75%</a:t>
-            </a:r>
-            <a:r>
-              <a:rPr lang="zh-CN" altLang="en-US" sz="1500">
-                <a:sym typeface="+mn-ea"/>
-              </a:rPr>
-              <a:t>，再去执行推测执行，还有个别任务没有执行完，这时就开启推测执行</a:t>
-            </a:r>
-            <a:endParaRPr lang="zh-CN" altLang="en-US" sz="1500">
-              <a:sym typeface="+mn-ea"/>
-            </a:endParaRPr>
-          </a:p>
-        </p:txBody>
-      </p:sp>
+      </p:pic>
     </p:spTree>
   </p:cSld>
   <p:clrMapOvr>
@@ -3905,6 +4225,32 @@
       <p:grpSpPr/>
       <p:sp>
         <p:nvSpPr>
+          <p:cNvPr id="2" name="标题 1"/>
+          <p:cNvSpPr>
+            <a:spLocks noGrp="1"/>
+          </p:cNvSpPr>
+          <p:nvPr>
+            <p:ph type="title"/>
+          </p:nvPr>
+        </p:nvSpPr>
+        <p:spPr/>
+        <p:txBody>
+          <a:bodyPr/>
+          <a:p>
+            <a:r>
+              <a:rPr lang="en-US" altLang="zh-CN"/>
+              <a:t>CPU</a:t>
+            </a:r>
+            <a:r>
+              <a:rPr lang="zh-CN" altLang="en-US"/>
+              <a:t>空转时间的问题</a:t>
+            </a:r>
+            <a:endParaRPr lang="zh-CN" altLang="en-US"/>
+          </a:p>
+        </p:txBody>
+      </p:sp>
+      <p:sp>
+        <p:nvSpPr>
           <p:cNvPr id="3" name="内容占位符 2"/>
           <p:cNvSpPr>
             <a:spLocks noGrp="1"/>
@@ -3915,495 +4261,160 @@
         </p:nvSpPr>
         <p:spPr>
           <a:xfrm>
-            <a:off x="472440" y="301625"/>
-            <a:ext cx="12278995" cy="13561060"/>
+            <a:off x="838200" y="1825625"/>
+            <a:ext cx="10678160" cy="6604635"/>
           </a:xfrm>
         </p:spPr>
         <p:txBody>
           <a:bodyPr>
-            <a:normAutofit fontScale="90000" lnSpcReduction="20000"/>
+            <a:normAutofit/>
           </a:bodyPr>
           <a:p>
-            <a:pPr marL="0" indent="0">
-              <a:buNone/>
-            </a:pPr>
-            <a:r>
-              <a:rPr lang="en-US" altLang="zh-CN" sz="1800"/>
-              <a:t>#!/bin/bash</a:t>
-            </a:r>
-            <a:endParaRPr lang="en-US" altLang="zh-CN" sz="1800"/>
-          </a:p>
-          <a:p>
-            <a:pPr marL="0" indent="0">
-              <a:buNone/>
-            </a:pPr>
-            <a:r>
-              <a:rPr lang="en-US" altLang="zh-CN" sz="1800"/>
-              <a:t>num_executors=52</a:t>
-            </a:r>
-            <a:endParaRPr lang="en-US" altLang="zh-CN" sz="1800"/>
-          </a:p>
-          <a:p>
-            <a:pPr marL="0" indent="0">
-              <a:buNone/>
-            </a:pPr>
-            <a:r>
-              <a:rPr lang="en-US" altLang="zh-CN" sz="1800"/>
-              <a:t>executor_memory=2g</a:t>
-            </a:r>
-            <a:endParaRPr lang="en-US" altLang="zh-CN" sz="1800"/>
-          </a:p>
-          <a:p>
-            <a:pPr marL="0" indent="0">
-              <a:buNone/>
-            </a:pPr>
-            <a:r>
-              <a:rPr lang="en-US" altLang="zh-CN" sz="1800"/>
-              <a:t>driver_memory=10g</a:t>
-            </a:r>
-            <a:endParaRPr lang="en-US" altLang="zh-CN" sz="1800"/>
-          </a:p>
-          <a:p>
-            <a:pPr marL="0" indent="0">
-              <a:buNone/>
-            </a:pPr>
-            <a:r>
-              <a:rPr lang="en-US" altLang="zh-CN" sz="1800"/>
-              <a:t>executor_cores=5</a:t>
-            </a:r>
-            <a:endParaRPr lang="en-US" altLang="zh-CN" sz="1800"/>
-          </a:p>
-          <a:p>
-            <a:pPr marL="0" indent="0">
-              <a:buNone/>
-            </a:pPr>
-            <a:r>
-              <a:rPr lang="en-US" altLang="zh-CN" sz="1800"/>
-              <a:t>realtime_queue=didi.transaction_2</a:t>
-            </a:r>
-            <a:endParaRPr lang="en-US" altLang="zh-CN" sz="1800"/>
-          </a:p>
-          <a:p>
-            <a:pPr marL="0" indent="0">
-              <a:buNone/>
-            </a:pPr>
-            <a:r>
-              <a:rPr lang="en-US" altLang="zh-CN" sz="1800"/>
-              <a:t># backpressure</a:t>
-            </a:r>
-            <a:endParaRPr lang="en-US" altLang="zh-CN" sz="1800"/>
-          </a:p>
-          <a:p>
-            <a:pPr marL="0" indent="0">
-              <a:buNone/>
-            </a:pPr>
-            <a:r>
-              <a:rPr lang="en-US" altLang="zh-CN" sz="1800"/>
-              <a:t>receiver_max_rate=100000</a:t>
-            </a:r>
-            <a:endParaRPr lang="en-US" altLang="zh-CN" sz="1800"/>
-          </a:p>
-          <a:p>
-            <a:pPr marL="0" indent="0">
-              <a:buNone/>
-            </a:pPr>
-            <a:r>
-              <a:rPr lang="en-US" altLang="zh-CN" sz="1800"/>
-              <a:t>kafka_partition_num=5</a:t>
-            </a:r>
-            <a:endParaRPr lang="en-US" altLang="zh-CN" sz="1800"/>
-          </a:p>
-          <a:p>
-            <a:pPr marL="0" indent="0">
-              <a:buNone/>
-            </a:pPr>
-            <a:r>
-              <a:rPr lang="en-US" altLang="zh-CN" sz="1800"/>
-              <a:t>receiver_max_rate=${receiver_max_rate}/${kafka_partition_num}</a:t>
-            </a:r>
-            <a:endParaRPr lang="en-US" altLang="zh-CN" sz="1800"/>
-          </a:p>
-          <a:p>
-            <a:pPr marL="0" indent="0">
-              <a:buNone/>
-            </a:pPr>
-            <a:r>
-              <a:rPr lang="en-US" altLang="zh-CN" sz="1800"/>
-              <a:t>receiver_initial_rate=20000</a:t>
-            </a:r>
-            <a:endParaRPr lang="en-US" altLang="zh-CN" sz="1800"/>
-          </a:p>
-          <a:p>
-            <a:pPr marL="0" indent="0">
-              <a:buNone/>
-            </a:pPr>
-            <a:r>
-              <a:rPr lang="en-US" altLang="zh-CN" sz="1800"/>
-              <a:t>my_job_name=”streaming_syn”</a:t>
-            </a:r>
-            <a:endParaRPr lang="en-US" altLang="zh-CN" sz="1800"/>
-          </a:p>
-          <a:p>
-            <a:pPr marL="0" indent="0">
-              <a:buNone/>
-            </a:pPr>
-            <a:r>
-              <a:rPr lang="en-US" altLang="zh-CN" sz="1800"/>
-              <a:t>main_class=”com.didi.streaming.App”</a:t>
-            </a:r>
-            <a:endParaRPr lang="en-US" altLang="zh-CN" sz="1800"/>
-          </a:p>
-          <a:p>
-            <a:pPr marL="0" indent="0">
-              <a:buNone/>
-            </a:pPr>
-            <a:endParaRPr lang="en-US" altLang="zh-CN" sz="1800"/>
-          </a:p>
-          <a:p>
-            <a:pPr marL="0" indent="0">
-              <a:buNone/>
-            </a:pPr>
-            <a:r>
-              <a:rPr lang="en-US" altLang="zh-CN" sz="1800"/>
-              <a:t>spark-submit --master yarn --deploy-mode cluster \</a:t>
-            </a:r>
-            <a:endParaRPr lang="en-US" altLang="zh-CN" sz="1800"/>
-          </a:p>
-          <a:p>
-            <a:pPr marL="0" indent="0">
-              <a:buNone/>
-            </a:pPr>
-            <a:r>
-              <a:rPr lang="en-US" altLang="zh-CN" sz="1800"/>
-              <a:t>--name ${my_job_name} \</a:t>
-            </a:r>
-            <a:endParaRPr lang="en-US" altLang="zh-CN" sz="1800"/>
-          </a:p>
-          <a:p>
-            <a:pPr marL="0" indent="0">
-              <a:buNone/>
-            </a:pPr>
-            <a:r>
-              <a:rPr lang="en-US" altLang="zh-CN" sz="1800"/>
-              <a:t>--class ${main_class} \</a:t>
-            </a:r>
-            <a:endParaRPr lang="en-US" altLang="zh-CN" sz="1800"/>
-          </a:p>
-          <a:p>
-            <a:pPr marL="0" indent="0">
-              <a:buNone/>
-            </a:pPr>
-            <a:r>
-              <a:rPr lang="en-US" altLang="zh-CN" sz="1800"/>
-              <a:t>--driver-memory ${driver_memory} \</a:t>
-            </a:r>
-            <a:endParaRPr lang="en-US" altLang="zh-CN" sz="1800"/>
-          </a:p>
-          <a:p>
-            <a:pPr marL="0" indent="0">
-              <a:buNone/>
-            </a:pPr>
-            <a:r>
-              <a:rPr lang="en-US" altLang="zh-CN" sz="1800"/>
-              <a:t>--num-executors ${num_executors} -- executor-cores ${executor_cores} --executor-memory ${executor_memory} \</a:t>
-            </a:r>
-            <a:endParaRPr lang="en-US" altLang="zh-CN" sz="1800"/>
-          </a:p>
-          <a:p>
-            <a:pPr marL="0" indent="0">
-              <a:buNone/>
-            </a:pPr>
-            <a:r>
-              <a:rPr lang="en-US" altLang="zh-CN" sz="1800"/>
-              <a:t>--queue ${realtime_queue}</a:t>
-            </a:r>
-            <a:endParaRPr lang="en-US" altLang="zh-CN" sz="1800"/>
-          </a:p>
-          <a:p>
-            <a:pPr marL="0" indent="0">
-              <a:buNone/>
-            </a:pPr>
-            <a:endParaRPr lang="en-US" altLang="zh-CN" sz="1800"/>
-          </a:p>
-          <a:p>
-            <a:pPr marL="0" indent="0">
-              <a:buNone/>
-            </a:pPr>
-            <a:r>
-              <a:rPr lang="en-US" altLang="zh-CN" sz="1800"/>
-              <a:t>--conf spark.dirver.extraJavaOptions=-Dlog4j.configuration=log4j-yarn.properties \</a:t>
-            </a:r>
-            <a:endParaRPr lang="en-US" altLang="zh-CN" sz="1800"/>
-          </a:p>
-          <a:p>
-            <a:pPr marL="0" indent="0">
-              <a:buNone/>
-            </a:pPr>
-            <a:r>
-              <a:rPr lang="en-US" altLang="zh-CN" sz="1800"/>
-              <a:t>--conf spark.executor.extraJavaOptions=-Dlog4j.configuration=log4j-yarn.properties \</a:t>
-            </a:r>
-            <a:endParaRPr lang="en-US" altLang="zh-CN" sz="1800"/>
-          </a:p>
-          <a:p>
-            <a:pPr marL="0" indent="0">
-              <a:buNone/>
-            </a:pPr>
-            <a:r>
-              <a:rPr lang="en-US" altLang="zh-CN" sz="1800"/>
-              <a:t>--conf spark.serializer=org.apache.spark.serializer.KryoSerializer \</a:t>
-            </a:r>
-            <a:endParaRPr lang="en-US" altLang="zh-CN" sz="1800"/>
-          </a:p>
-          <a:p>
-            <a:pPr marL="0" indent="0">
-              <a:buNone/>
-            </a:pPr>
-            <a:r>
-              <a:rPr lang="en-US" altLang="zh-CN" sz="1800"/>
-              <a:t>--conf spark.locality.wait=2 \</a:t>
-            </a:r>
-            <a:endParaRPr lang="en-US" altLang="zh-CN" sz="1800"/>
-          </a:p>
-          <a:p>
-            <a:pPr marL="0" indent="0">
-              <a:buNone/>
-            </a:pPr>
-            <a:r>
-              <a:rPr lang="en-US" altLang="zh-CN" sz="1800"/>
-              <a:t>--conf spark.locality.wait.process=2 \</a:t>
-            </a:r>
-            <a:endParaRPr lang="en-US" altLang="zh-CN" sz="1800"/>
-          </a:p>
-          <a:p>
-            <a:pPr marL="0" indent="0">
-              <a:buNone/>
-            </a:pPr>
-            <a:r>
-              <a:rPr lang="en-US" altLang="zh-CN" sz="1800"/>
-              <a:t>--conf spark.task.maxFailures=8 \</a:t>
-            </a:r>
-            <a:endParaRPr lang="en-US" altLang="zh-CN" sz="1800"/>
-          </a:p>
-          <a:p>
-            <a:pPr marL="0" indent="0">
-              <a:buNone/>
-            </a:pPr>
-            <a:r>
-              <a:rPr lang="en-US" altLang="zh-CN" sz="1800"/>
-              <a:t>--conf spark.ui.killEnabled=false \</a:t>
-            </a:r>
-            <a:endParaRPr lang="en-US" altLang="zh-CN" sz="1800"/>
-          </a:p>
-          <a:p>
-            <a:pPr marL="0" indent="0">
-              <a:buNone/>
-            </a:pPr>
-            <a:r>
-              <a:rPr lang="en-US" altLang="zh-CN" sz="1800"/>
-              <a:t>--conf spark.logConf=true \</a:t>
-            </a:r>
-            <a:endParaRPr lang="en-US" altLang="zh-CN" sz="1800"/>
-          </a:p>
-          <a:p>
-            <a:pPr marL="0" indent="0">
-              <a:buNone/>
-            </a:pPr>
-            <a:r>
-              <a:rPr lang="en-US" altLang="zh-CN" sz="1800"/>
-              <a:t>--conf spark.streaming.blockInterval=3000 \</a:t>
-            </a:r>
-            <a:endParaRPr lang="en-US" altLang="zh-CN" sz="1800"/>
-          </a:p>
-          <a:p>
-            <a:pPr marL="0" indent="0">
-              <a:buNone/>
-            </a:pPr>
-            <a:r>
-              <a:rPr lang="en-US" altLang="zh-CN" sz="1800"/>
-              <a:t>--conf spark.streaming.receiver.writeAheadLog.enble=true \</a:t>
-            </a:r>
-            <a:endParaRPr lang="en-US" altLang="zh-CN" sz="1800"/>
-          </a:p>
-          <a:p>
-            <a:pPr marL="0" indent="0">
-              <a:buNone/>
-            </a:pPr>
-            <a:r>
-              <a:rPr lang="en-US" altLang="zh-CN" sz="1800"/>
-              <a:t>--conf spark.streaming.backpressure.enable=true</a:t>
-            </a:r>
-            <a:endParaRPr lang="en-US" altLang="zh-CN" sz="1800"/>
-          </a:p>
-          <a:p>
-            <a:pPr marL="0" indent="0">
-              <a:buNone/>
-            </a:pPr>
-            <a:r>
-              <a:rPr lang="en-US" altLang="zh-CN" sz="1800"/>
-              <a:t>--conf spark.streaming.backpressure.pid.minRate=200 \</a:t>
-            </a:r>
-            <a:endParaRPr lang="en-US" altLang="zh-CN" sz="1800"/>
-          </a:p>
-          <a:p>
-            <a:pPr marL="0" indent="0">
-              <a:buNone/>
-            </a:pPr>
-            <a:r>
-              <a:rPr lang="en-US" altLang="zh-CN" sz="1800">
-                <a:sym typeface="+mn-ea"/>
-              </a:rPr>
-              <a:t>--conf spark.streaming.backpressure.initRate=${receiver_max_rate} \</a:t>
-            </a:r>
-            <a:endParaRPr lang="en-US" altLang="zh-CN" sz="1800">
-              <a:sym typeface="+mn-ea"/>
-            </a:endParaRPr>
-          </a:p>
-          <a:p>
-            <a:pPr marL="0" indent="0">
-              <a:buNone/>
-            </a:pPr>
-            <a:r>
-              <a:rPr lang="en-US" altLang="zh-CN" sz="1800">
-                <a:sym typeface="+mn-ea"/>
-              </a:rPr>
-              <a:t>--conf spark.streaming.receiver.maxRate=${receiver_max_rate} \</a:t>
-            </a:r>
-            <a:endParaRPr lang="en-US" altLang="zh-CN" sz="1800">
-              <a:sym typeface="+mn-ea"/>
-            </a:endParaRPr>
-          </a:p>
-          <a:p>
-            <a:pPr marL="0" indent="0">
-              <a:buNone/>
-            </a:pPr>
-            <a:r>
-              <a:rPr lang="en-US" altLang="zh-CN" sz="1800">
-                <a:sym typeface="+mn-ea"/>
-              </a:rPr>
-              <a:t>--conf spark.streaming.kafka.maxRatePerPartition=${receiver_max_rate} \</a:t>
-            </a:r>
-            <a:endParaRPr lang="en-US" altLang="zh-CN" sz="1800">
-              <a:sym typeface="+mn-ea"/>
-            </a:endParaRPr>
-          </a:p>
-          <a:p>
-            <a:pPr marL="0" indent="0">
-              <a:buNone/>
-            </a:pPr>
-            <a:r>
-              <a:rPr lang="en-US" altLang="zh-CN" sz="1800">
-                <a:sym typeface="+mn-ea"/>
-              </a:rPr>
-              <a:t>--conf spark.yarn.driver.memoryOverhead=512 \</a:t>
-            </a:r>
-            <a:endParaRPr lang="en-US" altLang="zh-CN" sz="1800">
-              <a:sym typeface="+mn-ea"/>
-            </a:endParaRPr>
-          </a:p>
-          <a:p>
-            <a:pPr marL="0" indent="0">
-              <a:buNone/>
-            </a:pPr>
-            <a:r>
-              <a:rPr lang="en-US" altLang="zh-CN" sz="1800">
-                <a:sym typeface="+mn-ea"/>
-              </a:rPr>
-              <a:t>--conf spark.yarn.executor.memoryOverhead=1024 \</a:t>
-            </a:r>
-            <a:endParaRPr lang="en-US" altLang="zh-CN" sz="1800">
-              <a:sym typeface="+mn-ea"/>
-            </a:endParaRPr>
-          </a:p>
-          <a:p>
-            <a:pPr marL="0" indent="0">
-              <a:buNone/>
-            </a:pPr>
-            <a:r>
-              <a:rPr lang="en-US" altLang="zh-CN" sz="1800">
-                <a:sym typeface="+mn-ea"/>
-              </a:rPr>
-              <a:t>--conf spark.yarn.maxAppAttempts=4 \</a:t>
-            </a:r>
-            <a:endParaRPr lang="en-US" altLang="zh-CN" sz="1800">
-              <a:sym typeface="+mn-ea"/>
-            </a:endParaRPr>
-          </a:p>
-          <a:p>
-            <a:pPr marL="0" indent="0">
-              <a:buNone/>
-            </a:pPr>
-            <a:r>
-              <a:rPr lang="en-US" altLang="zh-CN" sz="1800">
-                <a:sym typeface="+mn-ea"/>
-              </a:rPr>
-              <a:t>--conf spark.yarn.ap.attemptFailuresValidityInterval=1h \</a:t>
-            </a:r>
-            <a:endParaRPr lang="en-US" altLang="zh-CN" sz="1800">
-              <a:sym typeface="+mn-ea"/>
-            </a:endParaRPr>
-          </a:p>
-          <a:p>
-            <a:pPr marL="0" indent="0">
-              <a:buNone/>
-            </a:pPr>
-            <a:r>
-              <a:rPr lang="en-US" altLang="zh-CN" sz="1800">
-                <a:sym typeface="+mn-ea"/>
-              </a:rPr>
-              <a:t>--conf spark.yarn.max.executor.failures=$(8* ${num_executors}) \</a:t>
-            </a:r>
-            <a:endParaRPr lang="en-US" altLang="zh-CN" sz="1800">
-              <a:sym typeface="+mn-ea"/>
-            </a:endParaRPr>
-          </a:p>
-          <a:p>
-            <a:pPr marL="0" indent="0">
-              <a:buNone/>
-            </a:pPr>
-            <a:r>
-              <a:rPr lang="en-US" altLang="zh-CN" sz="1800">
-                <a:sym typeface="+mn-ea"/>
-              </a:rPr>
-              <a:t>--conf spark.yarn.executor.failuresValidityInterval=1h \</a:t>
-            </a:r>
-            <a:endParaRPr lang="en-US" altLang="zh-CN" sz="1800">
-              <a:sym typeface="+mn-ea"/>
-            </a:endParaRPr>
-          </a:p>
-          <a:p>
-            <a:pPr marL="0" indent="0">
-              <a:buNone/>
-            </a:pPr>
-            <a:r>
-              <a:rPr lang="en-US" altLang="zh-CN" sz="1800">
-                <a:sym typeface="+mn-ea"/>
-              </a:rPr>
-              <a:t>--driver-java-options “-XX:+UseConcMarkSweepGC -XX:+CMSClassUnloadingEnabled -XX:ParallelCMSThread=4 -XX:+CMSParall”</a:t>
-            </a:r>
-            <a:endParaRPr lang="en-US" altLang="zh-CN" sz="1800">
-              <a:sym typeface="+mn-ea"/>
-            </a:endParaRPr>
-          </a:p>
-          <a:p>
-            <a:pPr marL="0" indent="0">
-              <a:buNone/>
-            </a:pPr>
-            <a:r>
-              <a:rPr lang="en-US" altLang="zh-CN" sz="1800">
-                <a:sym typeface="+mn-ea"/>
-              </a:rPr>
-              <a:t>/root/Thermodynamic-1.0-SNAPSHOT.jar</a:t>
-            </a:r>
-            <a:endParaRPr lang="zh-CN" altLang="en-US" sz="1800">
-              <a:sym typeface="+mn-ea"/>
-            </a:endParaRPr>
-          </a:p>
-          <a:p>
-            <a:pPr marL="0" indent="0">
-              <a:buNone/>
-            </a:pPr>
-            <a:endParaRPr lang="zh-CN" altLang="en-US" sz="1800">
+            <a:r>
+              <a:rPr lang="zh-CN" altLang="en-US" sz="2055"/>
+              <a:t>为什么会出现</a:t>
+            </a:r>
+            <a:r>
+              <a:rPr lang="en-US" altLang="zh-CN" sz="2055"/>
+              <a:t>CPU</a:t>
+            </a:r>
+            <a:r>
+              <a:rPr lang="zh-CN" altLang="en-US" sz="2055"/>
+              <a:t>空转？</a:t>
+            </a:r>
+            <a:endParaRPr lang="zh-CN" altLang="en-US" sz="2055"/>
+          </a:p>
+          <a:p>
+            <a:pPr lvl="1"/>
+            <a:r>
+              <a:rPr lang="zh-CN" altLang="en-US" sz="1760"/>
+              <a:t>因为流处理是</a:t>
+            </a:r>
+            <a:r>
+              <a:rPr lang="en-US" altLang="zh-CN" sz="1760"/>
+              <a:t>7*24</a:t>
+            </a:r>
+            <a:r>
+              <a:rPr lang="zh-CN" altLang="en-US" sz="1760"/>
+              <a:t>小时，数据有高峰有低谷，当进入低谷时，很空间某个批次是没有接收到数据的，此时</a:t>
+            </a:r>
+            <a:r>
+              <a:rPr lang="en-US" altLang="zh-CN" sz="1760"/>
+              <a:t>SPARK</a:t>
+            </a:r>
+            <a:r>
+              <a:rPr lang="zh-CN" altLang="en-US" sz="1760"/>
+              <a:t>依然会对</a:t>
+            </a:r>
+            <a:r>
+              <a:rPr lang="en-US" altLang="zh-CN" sz="1760"/>
+              <a:t>task</a:t>
+            </a:r>
+            <a:r>
+              <a:rPr lang="zh-CN" altLang="en-US" sz="1760"/>
+              <a:t>进行调度，序列化、压缩、计算，也是需要消耗时间的。</a:t>
+            </a:r>
+            <a:r>
+              <a:rPr lang="en-US" altLang="zh-CN" sz="1760"/>
+              <a:t>CPU</a:t>
+            </a:r>
+            <a:r>
+              <a:rPr lang="zh-CN" altLang="en-US" sz="1760"/>
+              <a:t>空转时间问题就出来了</a:t>
+            </a:r>
+            <a:endParaRPr lang="zh-CN" altLang="en-US" sz="1760"/>
+          </a:p>
+          <a:p>
+            <a:pPr lvl="1"/>
+            <a:endParaRPr lang="zh-CN" altLang="en-US" sz="1760"/>
+          </a:p>
+          <a:p>
+            <a:pPr lvl="1"/>
+            <a:endParaRPr lang="zh-CN" altLang="en-US" sz="1760"/>
+          </a:p>
+          <a:p>
+            <a:pPr lvl="0"/>
+            <a:r>
+              <a:rPr lang="zh-CN" altLang="en-US" sz="2050"/>
+              <a:t>怎样解决？</a:t>
+            </a:r>
+            <a:endParaRPr lang="zh-CN" altLang="en-US" sz="2050"/>
+          </a:p>
+          <a:p>
+            <a:pPr lvl="1"/>
+            <a:r>
+              <a:rPr lang="en-US" altLang="zh-CN" sz="1755">
+                <a:sym typeface="+mn-ea"/>
+              </a:rPr>
+              <a:t>--conf spark.locality.wait=2 \  # </a:t>
+            </a:r>
+            <a:r>
+              <a:rPr lang="zh-CN" altLang="en-US" sz="1755">
+                <a:sym typeface="+mn-ea"/>
+              </a:rPr>
+              <a:t>数据本地化处理，</a:t>
+            </a:r>
+            <a:r>
+              <a:rPr lang="en-US" altLang="zh-CN" sz="1755">
+                <a:sym typeface="+mn-ea"/>
+              </a:rPr>
+              <a:t>spark</a:t>
+            </a:r>
+            <a:r>
+              <a:rPr lang="zh-CN" altLang="en-US" sz="1755">
+                <a:sym typeface="+mn-ea"/>
+              </a:rPr>
+              <a:t>默认是</a:t>
+            </a:r>
+            <a:r>
+              <a:rPr lang="en-US" altLang="zh-CN" sz="1755">
+                <a:sym typeface="+mn-ea"/>
+              </a:rPr>
+              <a:t>200</a:t>
+            </a:r>
+            <a:r>
+              <a:rPr lang="zh-CN" altLang="en-US" sz="1755">
+                <a:sym typeface="+mn-ea"/>
+              </a:rPr>
+              <a:t>毫秒；如果此时没有数据，立马却换为数据本地化，我们的代码、数据在同一个</a:t>
+            </a:r>
+            <a:r>
+              <a:rPr lang="en-US" altLang="zh-CN" sz="1755">
+                <a:sym typeface="+mn-ea"/>
+              </a:rPr>
+              <a:t>executor</a:t>
+            </a:r>
+            <a:r>
+              <a:rPr lang="zh-CN" altLang="en-US" sz="1755">
+                <a:sym typeface="+mn-ea"/>
+              </a:rPr>
+              <a:t>内执行更改为下一个等级，更早地进入下一个环节计算，就无需等待</a:t>
+            </a:r>
+            <a:r>
+              <a:rPr lang="en-US" altLang="zh-CN" sz="1755">
+                <a:sym typeface="+mn-ea"/>
+              </a:rPr>
+              <a:t>200</a:t>
+            </a:r>
+            <a:r>
+              <a:rPr lang="zh-CN" altLang="en-US" sz="1755">
+                <a:sym typeface="+mn-ea"/>
+              </a:rPr>
+              <a:t>毫秒。假如后续有</a:t>
+            </a:r>
+            <a:r>
+              <a:rPr lang="en-US" altLang="zh-CN" sz="1755">
+                <a:sym typeface="+mn-ea"/>
+              </a:rPr>
+              <a:t>5-6</a:t>
+            </a:r>
+            <a:r>
+              <a:rPr lang="zh-CN" altLang="en-US" sz="1755">
+                <a:sym typeface="+mn-ea"/>
+              </a:rPr>
+              <a:t>个环节计算，会体验更明显</a:t>
+            </a:r>
+            <a:endParaRPr lang="zh-CN" altLang="en-US" sz="1755">
               <a:sym typeface="+mn-ea"/>
             </a:endParaRPr>
           </a:p>
@@ -4441,6 +4452,10 @@
         <p:txBody>
           <a:bodyPr/>
           <a:p>
+            <a:r>
+              <a:rPr lang="zh-CN" altLang="en-US"/>
+              <a:t>推测执行</a:t>
+            </a:r>
             <a:endParaRPr lang="zh-CN" altLang="en-US"/>
           </a:p>
         </p:txBody>
@@ -4455,11 +4470,242 @@
             <p:ph idx="1"/>
           </p:nvPr>
         </p:nvSpPr>
-        <p:spPr/>
-        <p:txBody>
-          <a:bodyPr/>
-          <a:p>
-            <a:endParaRPr lang="zh-CN" altLang="en-US"/>
+        <p:spPr>
+          <a:xfrm>
+            <a:off x="838200" y="1825625"/>
+            <a:ext cx="10678160" cy="6604635"/>
+          </a:xfrm>
+        </p:spPr>
+        <p:txBody>
+          <a:bodyPr>
+            <a:normAutofit/>
+          </a:bodyPr>
+          <a:p>
+            <a:r>
+              <a:rPr lang="zh-CN" altLang="en-US" sz="1755">
+                <a:sym typeface="+mn-ea"/>
+              </a:rPr>
+              <a:t>为什么需要推测执行？</a:t>
+            </a:r>
+            <a:endParaRPr lang="zh-CN" altLang="en-US" sz="1755">
+              <a:sym typeface="+mn-ea"/>
+            </a:endParaRPr>
+          </a:p>
+          <a:p>
+            <a:pPr lvl="1"/>
+            <a:r>
+              <a:rPr lang="zh-CN" altLang="en-US" sz="1500">
+                <a:sym typeface="+mn-ea"/>
+              </a:rPr>
+              <a:t>因为</a:t>
+            </a:r>
+            <a:r>
+              <a:rPr lang="en-US" altLang="zh-CN" sz="1500">
+                <a:sym typeface="+mn-ea"/>
+              </a:rPr>
+              <a:t>spark</a:t>
+            </a:r>
+            <a:r>
+              <a:rPr lang="zh-CN" altLang="en-US" sz="1500">
+                <a:sym typeface="+mn-ea"/>
+              </a:rPr>
+              <a:t>流任务，经常因为网络、内存导致</a:t>
+            </a:r>
+            <a:r>
+              <a:rPr lang="en-US" altLang="zh-CN" sz="1500">
+                <a:sym typeface="+mn-ea"/>
+              </a:rPr>
+              <a:t>task</a:t>
+            </a:r>
+            <a:r>
+              <a:rPr lang="zh-CN" altLang="en-US" sz="1500">
+                <a:sym typeface="+mn-ea"/>
+              </a:rPr>
+              <a:t>失败，我们有重启</a:t>
+            </a:r>
+            <a:r>
+              <a:rPr lang="en-US" altLang="zh-CN" sz="1500">
+                <a:sym typeface="+mn-ea"/>
+              </a:rPr>
+              <a:t>task</a:t>
+            </a:r>
+            <a:r>
+              <a:rPr lang="zh-CN" altLang="en-US" sz="1500">
+                <a:sym typeface="+mn-ea"/>
+              </a:rPr>
+              <a:t>机制（</a:t>
+            </a:r>
+            <a:r>
+              <a:rPr lang="en-US" altLang="zh-CN" sz="1500">
+                <a:sym typeface="+mn-ea"/>
+              </a:rPr>
+              <a:t>--conf spark.task.maxFailures=8 \</a:t>
+            </a:r>
+            <a:r>
+              <a:rPr lang="zh-CN" altLang="en-US" sz="1500">
+                <a:sym typeface="+mn-ea"/>
+              </a:rPr>
+              <a:t>）；</a:t>
+            </a:r>
+            <a:r>
+              <a:rPr lang="en-US" altLang="zh-CN" sz="1500">
+                <a:sym typeface="+mn-ea"/>
+              </a:rPr>
+              <a:t>task</a:t>
+            </a:r>
+            <a:r>
+              <a:rPr lang="zh-CN" altLang="en-US" sz="1500">
+                <a:sym typeface="+mn-ea"/>
+              </a:rPr>
+              <a:t>重启、运行肯定需要一定的时间，如果当前批次的</a:t>
+            </a:r>
+            <a:r>
+              <a:rPr lang="en-US" altLang="zh-CN" sz="1500">
+                <a:sym typeface="+mn-ea"/>
+              </a:rPr>
+              <a:t>task</a:t>
+            </a:r>
+            <a:r>
+              <a:rPr lang="zh-CN" altLang="en-US" sz="1500">
+                <a:sym typeface="+mn-ea"/>
+              </a:rPr>
+              <a:t>没有执行完，跟在它后面的</a:t>
+            </a:r>
+            <a:r>
+              <a:rPr lang="en-US" altLang="zh-CN" sz="1500">
+                <a:sym typeface="+mn-ea"/>
+              </a:rPr>
+              <a:t>task</a:t>
+            </a:r>
+            <a:r>
+              <a:rPr lang="zh-CN" altLang="en-US" sz="1500">
+                <a:sym typeface="+mn-ea"/>
+              </a:rPr>
+              <a:t>就会处理</a:t>
+            </a:r>
+            <a:r>
+              <a:rPr lang="en-US" altLang="zh-CN" sz="1500">
+                <a:sym typeface="+mn-ea"/>
+              </a:rPr>
+              <a:t>pending</a:t>
+            </a:r>
+            <a:r>
+              <a:rPr lang="zh-CN" altLang="en-US" sz="1500">
+                <a:sym typeface="+mn-ea"/>
+              </a:rPr>
+              <a:t>悬挂的状态，后面的任务是没法执行</a:t>
+            </a:r>
+            <a:endParaRPr lang="zh-CN" altLang="en-US" sz="1500">
+              <a:sym typeface="+mn-ea"/>
+            </a:endParaRPr>
+          </a:p>
+          <a:p>
+            <a:pPr lvl="1"/>
+            <a:endParaRPr lang="zh-CN" altLang="en-US" sz="1500">
+              <a:sym typeface="+mn-ea"/>
+            </a:endParaRPr>
+          </a:p>
+          <a:p>
+            <a:pPr lvl="1"/>
+            <a:r>
+              <a:rPr lang="zh-CN" altLang="en-US" sz="1500">
+                <a:sym typeface="+mn-ea"/>
+              </a:rPr>
+              <a:t>所以这时，需要开启推测执行，将当前</a:t>
+            </a:r>
+            <a:r>
+              <a:rPr lang="en-US" altLang="zh-CN" sz="1500">
+                <a:sym typeface="+mn-ea"/>
+              </a:rPr>
+              <a:t>task</a:t>
+            </a:r>
+            <a:r>
+              <a:rPr lang="zh-CN" altLang="en-US" sz="1500">
+                <a:sym typeface="+mn-ea"/>
+              </a:rPr>
+              <a:t>提交到其他节点上运行。</a:t>
+            </a:r>
+            <a:endParaRPr lang="zh-CN" altLang="en-US" sz="1500">
+              <a:sym typeface="+mn-ea"/>
+            </a:endParaRPr>
+          </a:p>
+          <a:p>
+            <a:pPr lvl="1"/>
+            <a:endParaRPr lang="zh-CN" altLang="en-US" sz="1500">
+              <a:sym typeface="+mn-ea"/>
+            </a:endParaRPr>
+          </a:p>
+          <a:p>
+            <a:pPr lvl="1"/>
+            <a:r>
+              <a:rPr lang="zh-CN" altLang="en-US" sz="1500">
+                <a:sym typeface="+mn-ea"/>
+              </a:rPr>
+              <a:t>参数如下：</a:t>
+            </a:r>
+            <a:endParaRPr lang="zh-CN" altLang="en-US" sz="1500">
+              <a:sym typeface="+mn-ea"/>
+            </a:endParaRPr>
+          </a:p>
+          <a:p>
+            <a:pPr lvl="1"/>
+            <a:r>
+              <a:rPr lang="en-US" altLang="zh-CN" sz="1500">
+                <a:sym typeface="+mn-ea"/>
+              </a:rPr>
+              <a:t>sparkconf.set(“spark.speculation”, “true”)</a:t>
+            </a:r>
+            <a:endParaRPr lang="en-US" altLang="zh-CN" sz="1500">
+              <a:sym typeface="+mn-ea"/>
+            </a:endParaRPr>
+          </a:p>
+          <a:p>
+            <a:pPr lvl="1"/>
+            <a:r>
+              <a:rPr lang="en-US" altLang="zh-CN" sz="1500">
+                <a:sym typeface="+mn-ea"/>
+              </a:rPr>
+              <a:t>sparkconf.set(“spark.speculation.interval”, “300ms”) // </a:t>
+            </a:r>
+            <a:r>
+              <a:rPr lang="zh-CN" altLang="en-US" sz="1500">
+                <a:sym typeface="+mn-ea"/>
+              </a:rPr>
+              <a:t>检查周期</a:t>
+            </a:r>
+            <a:endParaRPr lang="en-US" altLang="zh-CN" sz="1500">
+              <a:sym typeface="+mn-ea"/>
+            </a:endParaRPr>
+          </a:p>
+          <a:p>
+            <a:pPr lvl="1"/>
+            <a:r>
+              <a:rPr lang="en-US" altLang="zh-CN" sz="1500">
+                <a:sym typeface="+mn-ea"/>
+              </a:rPr>
+              <a:t>sparkconf.set(“spark.speculation.quantile”, “0.9”) //  </a:t>
+            </a:r>
+            <a:r>
+              <a:rPr lang="zh-CN" altLang="en-US" sz="1500">
+                <a:sym typeface="+mn-ea"/>
+              </a:rPr>
+              <a:t>默认达到任务</a:t>
+            </a:r>
+            <a:r>
+              <a:rPr lang="en-US" altLang="zh-CN" sz="1500">
+                <a:sym typeface="+mn-ea"/>
+              </a:rPr>
+              <a:t>75%</a:t>
+            </a:r>
+            <a:r>
+              <a:rPr lang="zh-CN" altLang="en-US" sz="1500">
+                <a:sym typeface="+mn-ea"/>
+              </a:rPr>
+              <a:t>，再去执行推测执行，还有个别任务没有执行完，这时就开启推测执行</a:t>
+            </a:r>
+            <a:endParaRPr lang="zh-CN" altLang="en-US" sz="1500">
+              <a:sym typeface="+mn-ea"/>
+            </a:endParaRPr>
           </a:p>
         </p:txBody>
       </p:sp>
@@ -4474,6 +4720,13 @@
 <file path=ppt/tags/tag1.xml><?xml version="1.0" encoding="utf-8"?>
 <p:tagLst xmlns:p="http://schemas.openxmlformats.org/presentationml/2006/main">
   <p:tag name="KSO_WM_SLIDE_MODEL_TYPE" val="cover"/>
+</p:tagLst>
+</file>
+
+<file path=ppt/tags/tag2.xml><?xml version="1.0" encoding="utf-8"?>
+<p:tagLst xmlns:p="http://schemas.openxmlformats.org/presentationml/2006/main">
+  <p:tag name="REFSHAPE" val="337851436"/>
+  <p:tag name="KSO_WM_UNIT_PLACING_PICTURE_USER_VIEWPORT" val="{&quot;height&quot;:10050,&quot;width&quot;:16170}"/>
 </p:tagLst>
 </file>
 
